--- a/Aula08-Criação de Menus/Aula08-Criação de Menus.pptx
+++ b/Aula08-Criação de Menus/Aula08-Criação de Menus.pptx
@@ -20,27 +20,23 @@
   <p:notesSz cx="6858000" cy="9144000"/>
   <p:embeddedFontLst>
     <p:embeddedFont>
-      <p:font typeface="Lato Bold" panose="020B0604020202020204" charset="0"/>
+      <p:font typeface="Lato" panose="020F0502020204030203" pitchFamily="34" charset="0"/>
       <p:regular r:id="rId12"/>
+      <p:bold r:id="rId13"/>
+    </p:embeddedFont>
+    <p:embeddedFont>
+      <p:font typeface="Lato Bold" panose="020F0502020204030203" charset="0"/>
+      <p:regular r:id="rId14"/>
+      <p:bold r:id="rId15"/>
+    </p:embeddedFont>
+    <p:embeddedFont>
+      <p:font typeface="Poppins Bold" panose="020B0604020202020204" charset="0"/>
+      <p:regular r:id="rId16"/>
+      <p:bold r:id="rId17"/>
     </p:embeddedFont>
     <p:embeddedFont>
       <p:font typeface="Poppins Ultra-Bold" panose="020B0604020202020204" charset="0"/>
-      <p:regular r:id="rId13"/>
-    </p:embeddedFont>
-    <p:embeddedFont>
-      <p:font typeface="Lato" panose="020B0604020202020204" charset="0"/>
-      <p:regular r:id="rId14"/>
-    </p:embeddedFont>
-    <p:embeddedFont>
-      <p:font typeface="Poppins Bold" panose="020B0604020202020204" charset="0"/>
-      <p:regular r:id="rId15"/>
-    </p:embeddedFont>
-    <p:embeddedFont>
-      <p:font typeface="Calibri" panose="020F0502020204030204" pitchFamily="34" charset="0"/>
-      <p:regular r:id="rId16"/>
-      <p:bold r:id="rId17"/>
-      <p:italic r:id="rId18"/>
-      <p:boldItalic r:id="rId19"/>
+      <p:regular r:id="rId18"/>
     </p:embeddedFont>
   </p:embeddedFontLst>
   <p:defaultTextStyle>
@@ -337,7 +333,7 @@
             <a:fld id="{1D8BD707-D9CF-40AE-B4C6-C98DA3205C09}" type="datetimeFigureOut">
               <a:rPr lang="en-US" smtClean="0"/>
               <a:pPr/>
-              <a:t>3/16/2024</a:t>
+              <a:t>11/24/2025</a:t>
             </a:fld>
             <a:endParaRPr lang="en-US"/>
           </a:p>
@@ -502,7 +498,7 @@
             <a:fld id="{1D8BD707-D9CF-40AE-B4C6-C98DA3205C09}" type="datetimeFigureOut">
               <a:rPr lang="en-US" smtClean="0"/>
               <a:pPr/>
-              <a:t>3/16/2024</a:t>
+              <a:t>11/24/2025</a:t>
             </a:fld>
             <a:endParaRPr lang="en-US"/>
           </a:p>
@@ -677,7 +673,7 @@
             <a:fld id="{1D8BD707-D9CF-40AE-B4C6-C98DA3205C09}" type="datetimeFigureOut">
               <a:rPr lang="en-US" smtClean="0"/>
               <a:pPr/>
-              <a:t>3/16/2024</a:t>
+              <a:t>11/24/2025</a:t>
             </a:fld>
             <a:endParaRPr lang="en-US"/>
           </a:p>
@@ -842,7 +838,7 @@
             <a:fld id="{1D8BD707-D9CF-40AE-B4C6-C98DA3205C09}" type="datetimeFigureOut">
               <a:rPr lang="en-US" smtClean="0"/>
               <a:pPr/>
-              <a:t>3/16/2024</a:t>
+              <a:t>11/24/2025</a:t>
             </a:fld>
             <a:endParaRPr lang="en-US"/>
           </a:p>
@@ -1084,7 +1080,7 @@
             <a:fld id="{1D8BD707-D9CF-40AE-B4C6-C98DA3205C09}" type="datetimeFigureOut">
               <a:rPr lang="en-US" smtClean="0"/>
               <a:pPr/>
-              <a:t>3/16/2024</a:t>
+              <a:t>11/24/2025</a:t>
             </a:fld>
             <a:endParaRPr lang="en-US"/>
           </a:p>
@@ -1366,7 +1362,7 @@
             <a:fld id="{1D8BD707-D9CF-40AE-B4C6-C98DA3205C09}" type="datetimeFigureOut">
               <a:rPr lang="en-US" smtClean="0"/>
               <a:pPr/>
-              <a:t>3/16/2024</a:t>
+              <a:t>11/24/2025</a:t>
             </a:fld>
             <a:endParaRPr lang="en-US"/>
           </a:p>
@@ -1782,7 +1778,7 @@
             <a:fld id="{1D8BD707-D9CF-40AE-B4C6-C98DA3205C09}" type="datetimeFigureOut">
               <a:rPr lang="en-US" smtClean="0"/>
               <a:pPr/>
-              <a:t>3/16/2024</a:t>
+              <a:t>11/24/2025</a:t>
             </a:fld>
             <a:endParaRPr lang="en-US"/>
           </a:p>
@@ -1896,7 +1892,7 @@
             <a:fld id="{1D8BD707-D9CF-40AE-B4C6-C98DA3205C09}" type="datetimeFigureOut">
               <a:rPr lang="en-US" smtClean="0"/>
               <a:pPr/>
-              <a:t>3/16/2024</a:t>
+              <a:t>11/24/2025</a:t>
             </a:fld>
             <a:endParaRPr lang="en-US"/>
           </a:p>
@@ -1988,7 +1984,7 @@
             <a:fld id="{1D8BD707-D9CF-40AE-B4C6-C98DA3205C09}" type="datetimeFigureOut">
               <a:rPr lang="en-US" smtClean="0"/>
               <a:pPr/>
-              <a:t>3/16/2024</a:t>
+              <a:t>11/24/2025</a:t>
             </a:fld>
             <a:endParaRPr lang="en-US"/>
           </a:p>
@@ -2260,7 +2256,7 @@
             <a:fld id="{1D8BD707-D9CF-40AE-B4C6-C98DA3205C09}" type="datetimeFigureOut">
               <a:rPr lang="en-US" smtClean="0"/>
               <a:pPr/>
-              <a:t>3/16/2024</a:t>
+              <a:t>11/24/2025</a:t>
             </a:fld>
             <a:endParaRPr lang="en-US"/>
           </a:p>
@@ -2509,7 +2505,7 @@
             <a:fld id="{1D8BD707-D9CF-40AE-B4C6-C98DA3205C09}" type="datetimeFigureOut">
               <a:rPr lang="en-US" smtClean="0"/>
               <a:pPr/>
-              <a:t>3/16/2024</a:t>
+              <a:t>11/24/2025</a:t>
             </a:fld>
             <a:endParaRPr lang="en-US"/>
           </a:p>
@@ -2717,7 +2713,7 @@
             <a:fld id="{1D8BD707-D9CF-40AE-B4C6-C98DA3205C09}" type="datetimeFigureOut">
               <a:rPr lang="en-US" smtClean="0"/>
               <a:pPr/>
-              <a:t>3/16/2024</a:t>
+              <a:t>11/24/2025</a:t>
             </a:fld>
             <a:endParaRPr lang="en-US"/>
           </a:p>
@@ -3141,6 +3137,13 @@
               <a:srgbClr val="5271FF"/>
             </a:solidFill>
           </p:spPr>
+          <p:txBody>
+            <a:bodyPr/>
+            <a:lstStyle/>
+            <a:p>
+              <a:endParaRPr lang="pt-BR"/>
+            </a:p>
+          </p:txBody>
         </p:sp>
       </p:grpSp>
       <p:grpSp>
@@ -3215,6 +3218,13 @@
               <a:srgbClr val="FFFFFF"/>
             </a:solidFill>
           </p:spPr>
+          <p:txBody>
+            <a:bodyPr/>
+            <a:lstStyle/>
+            <a:p>
+              <a:endParaRPr lang="pt-BR"/>
+            </a:p>
+          </p:txBody>
         </p:sp>
       </p:grpSp>
       <p:grpSp>
@@ -3289,6 +3299,13 @@
               <a:srgbClr val="2B4A9D"/>
             </a:solidFill>
           </p:spPr>
+          <p:txBody>
+            <a:bodyPr/>
+            <a:lstStyle/>
+            <a:p>
+              <a:endParaRPr lang="pt-BR"/>
+            </a:p>
+          </p:txBody>
         </p:sp>
       </p:grpSp>
       <p:sp>
@@ -3318,7 +3335,7 @@
               </a:lnSpc>
             </a:pPr>
             <a:r>
-              <a:rPr lang="pt-BR" sz="6000" spc="600" dirty="0" smtClean="0">
+              <a:rPr lang="pt-BR" sz="6000" spc="600" dirty="0">
                 <a:solidFill>
                   <a:srgbClr val="2B4A9D"/>
                 </a:solidFill>
@@ -3344,7 +3361,7 @@
         <p:spPr>
           <a:xfrm>
             <a:off x="814372" y="7555634"/>
-            <a:ext cx="11682427" cy="628377"/>
+            <a:ext cx="11682427" cy="1195264"/>
           </a:xfrm>
           <a:prstGeom prst="rect">
             <a:avLst/>
@@ -3362,7 +3379,7 @@
               </a:lnSpc>
             </a:pPr>
             <a:r>
-              <a:rPr lang="en-US" sz="3500" spc="350" dirty="0" err="1" smtClean="0">
+              <a:rPr lang="en-US" sz="3500" spc="350" dirty="0" err="1">
                 <a:solidFill>
                   <a:srgbClr val="000000"/>
                 </a:solidFill>
@@ -3371,7 +3388,7 @@
               <a:t>Apresentado</a:t>
             </a:r>
             <a:r>
-              <a:rPr lang="en-US" sz="3500" spc="350" dirty="0" smtClean="0">
+              <a:rPr lang="en-US" sz="3500" spc="350" dirty="0">
                 <a:solidFill>
                   <a:srgbClr val="000000"/>
                 </a:solidFill>
@@ -3380,7 +3397,7 @@
               <a:t> </a:t>
             </a:r>
             <a:r>
-              <a:rPr lang="en-US" sz="3500" spc="350" dirty="0" err="1" smtClean="0">
+              <a:rPr lang="en-US" sz="3500" spc="350" dirty="0" err="1">
                 <a:solidFill>
                   <a:srgbClr val="000000"/>
                 </a:solidFill>
@@ -3389,13 +3406,13 @@
               <a:t>por</a:t>
             </a:r>
             <a:r>
-              <a:rPr lang="en-US" sz="3500" spc="350" dirty="0" smtClean="0">
+              <a:rPr lang="en-US" sz="3500" spc="350" dirty="0">
                 <a:solidFill>
                   <a:srgbClr val="000000"/>
                 </a:solidFill>
                 <a:latin typeface="Lato"/>
               </a:rPr>
-              <a:t>: </a:t>
+              <a:t>: João Vitor, Paulo Vitor e </a:t>
             </a:r>
             <a:r>
               <a:rPr lang="en-US" sz="3500" spc="350" dirty="0" err="1">
@@ -3404,77 +3421,17 @@
                 </a:solidFill>
                 <a:latin typeface="Lato"/>
               </a:rPr>
-              <a:t>E</a:t>
-            </a:r>
-            <a:r>
-              <a:rPr lang="en-US" sz="3500" spc="350" dirty="0" err="1" smtClean="0">
+              <a:t>Talysson</a:t>
+            </a:r>
+            <a:r>
+              <a:rPr lang="en-US" sz="3500" spc="350" dirty="0">
                 <a:solidFill>
                   <a:srgbClr val="000000"/>
                 </a:solidFill>
                 <a:latin typeface="Lato"/>
               </a:rPr>
-              <a:t>liane</a:t>
-            </a:r>
-            <a:r>
-              <a:rPr lang="en-US" sz="3500" spc="350" dirty="0" smtClean="0">
-                <a:solidFill>
-                  <a:srgbClr val="000000"/>
-                </a:solidFill>
-                <a:latin typeface="Lato"/>
-              </a:rPr>
-              <a:t> </a:t>
-            </a:r>
-            <a:r>
-              <a:rPr lang="en-US" sz="3500" spc="350" dirty="0" err="1">
-                <a:solidFill>
-                  <a:srgbClr val="000000"/>
-                </a:solidFill>
-                <a:latin typeface="Lato"/>
-              </a:rPr>
-              <a:t>D</a:t>
-            </a:r>
-            <a:r>
-              <a:rPr lang="en-US" sz="3500" spc="350" dirty="0" err="1" smtClean="0">
-                <a:solidFill>
-                  <a:srgbClr val="000000"/>
-                </a:solidFill>
-                <a:latin typeface="Lato"/>
-              </a:rPr>
-              <a:t>antas</a:t>
-            </a:r>
-            <a:r>
-              <a:rPr lang="en-US" sz="3500" spc="350" dirty="0" smtClean="0">
-                <a:solidFill>
-                  <a:srgbClr val="000000"/>
-                </a:solidFill>
-                <a:latin typeface="Lato"/>
-              </a:rPr>
-              <a:t> e Natalia </a:t>
-            </a:r>
-            <a:r>
-              <a:rPr lang="en-US" sz="3500" spc="350" dirty="0">
-                <a:solidFill>
-                  <a:srgbClr val="000000"/>
-                </a:solidFill>
-                <a:latin typeface="Lato"/>
-              </a:rPr>
-              <a:t>C</a:t>
-            </a:r>
-            <a:r>
-              <a:rPr lang="en-US" sz="3500" spc="350" dirty="0" smtClean="0">
-                <a:solidFill>
-                  <a:srgbClr val="000000"/>
-                </a:solidFill>
-                <a:latin typeface="Lato"/>
-              </a:rPr>
-              <a:t>osta</a:t>
-            </a:r>
-            <a:endParaRPr lang="en-US" sz="3500" spc="350" dirty="0">
-              <a:solidFill>
-                <a:srgbClr val="000000"/>
-              </a:solidFill>
-              <a:latin typeface="Lato"/>
-            </a:endParaRPr>
+              <a:t> Vasconcelos </a:t>
+            </a:r>
           </a:p>
         </p:txBody>
       </p:sp>
@@ -3521,7 +3478,7 @@
               <a:alphaModFix amt="69000"/>
               <a:extLst>
                 <a:ext uri="{96DAC541-7B7A-43D3-8B79-37D633B846F1}">
-                  <asvg:svgBlip xmlns:asvg="http://schemas.microsoft.com/office/drawing/2016/SVG/main" xmlns="" r:embed="rId3"/>
+                  <asvg:svgBlip xmlns:asvg="http://schemas.microsoft.com/office/drawing/2016/SVG/main" r:embed="rId3"/>
                 </a:ext>
               </a:extLst>
             </a:blip>
@@ -3530,6 +3487,13 @@
             </a:stretch>
           </a:blipFill>
         </p:spPr>
+        <p:txBody>
+          <a:bodyPr/>
+          <a:lstStyle/>
+          <a:p>
+            <a:endParaRPr lang="pt-BR"/>
+          </a:p>
+        </p:txBody>
       </p:sp>
       <p:grpSp>
         <p:nvGrpSpPr>
@@ -3584,6 +3548,13 @@
               <a:srgbClr val="2B4A9D"/>
             </a:solidFill>
           </p:spPr>
+          <p:txBody>
+            <a:bodyPr/>
+            <a:lstStyle/>
+            <a:p>
+              <a:endParaRPr lang="pt-BR"/>
+            </a:p>
+          </p:txBody>
         </p:sp>
       </p:grpSp>
     </p:spTree>
@@ -3591,13 +3562,6 @@
   <p:clrMapOvr>
     <a:masterClrMapping/>
   </p:clrMapOvr>
-  <p:timing>
-    <p:tnLst>
-      <p:par>
-        <p:cTn id="1" dur="indefinite" restart="never" nodeType="tmRoot"/>
-      </p:par>
-    </p:tnLst>
-  </p:timing>
 </p:sld>
 </file>
 
@@ -3645,7 +3609,7 @@
               </a:lnSpc>
             </a:pPr>
             <a:r>
-              <a:rPr lang="en-US" sz="5000" spc="300" dirty="0" err="1" smtClean="0">
+              <a:rPr lang="en-US" sz="5000" spc="300" dirty="0" err="1">
                 <a:solidFill>
                   <a:srgbClr val="2B4A9D"/>
                 </a:solidFill>
@@ -3715,6 +3679,13 @@
               <a:srgbClr val="2B4A9D"/>
             </a:solidFill>
           </p:spPr>
+          <p:txBody>
+            <a:bodyPr/>
+            <a:lstStyle/>
+            <a:p>
+              <a:endParaRPr lang="pt-BR"/>
+            </a:p>
+          </p:txBody>
         </p:sp>
       </p:grpSp>
       <p:sp>
@@ -3772,36 +3743,15 @@
               <a:t>. Disponível em: </a:t>
             </a:r>
             <a:r>
-              <a:rPr lang="pt-BR" sz="3600" dirty="0" smtClean="0">
-                <a:hlinkClick r:id="rId2"/>
-              </a:rPr>
-              <a:t>https</a:t>
-            </a:r>
-            <a:r>
               <a:rPr lang="pt-BR" sz="3600" dirty="0">
                 <a:hlinkClick r:id="rId2"/>
               </a:rPr>
-              <a:t>://</a:t>
-            </a:r>
-            <a:r>
-              <a:rPr lang="pt-BR" sz="3600" dirty="0" smtClean="0">
-                <a:hlinkClick r:id="rId2"/>
-              </a:rPr>
-              <a:t>docs.flutter.dev/cookbook/design/drawer</a:t>
-            </a:r>
-            <a:r>
-              <a:rPr lang="pt-BR" sz="3600" dirty="0" smtClean="0"/>
-              <a:t>. </a:t>
+              <a:t>https://docs.flutter.dev/cookbook/design/drawer</a:t>
             </a:r>
             <a:r>
               <a:rPr lang="pt-BR" sz="3600" dirty="0"/>
-              <a:t>Acesso em: 8 mar. 2024</a:t>
-            </a:r>
-            <a:r>
-              <a:rPr lang="pt-BR" sz="3600" dirty="0" smtClean="0"/>
-              <a:t>.</a:t>
-            </a:r>
-            <a:endParaRPr lang="pt-BR" sz="3600" dirty="0"/>
+              <a:t>. Acesso em: 8 mar. 2024.</a:t>
+            </a:r>
           </a:p>
         </p:txBody>
       </p:sp>
@@ -3815,13 +3765,6 @@
   <p:clrMapOvr>
     <a:masterClrMapping/>
   </p:clrMapOvr>
-  <p:timing>
-    <p:tnLst>
-      <p:par>
-        <p:cTn id="1" dur="indefinite" restart="never" nodeType="tmRoot"/>
-      </p:par>
-    </p:tnLst>
-  </p:timing>
 </p:sld>
 </file>
 
@@ -3895,6 +3838,13 @@
               <a:srgbClr val="2B4A9D"/>
             </a:solidFill>
           </p:spPr>
+          <p:txBody>
+            <a:bodyPr/>
+            <a:lstStyle/>
+            <a:p>
+              <a:endParaRPr lang="pt-BR"/>
+            </a:p>
+          </p:txBody>
         </p:sp>
       </p:grpSp>
       <p:grpSp>
@@ -3950,6 +3900,13 @@
               <a:srgbClr val="2B4A9D"/>
             </a:solidFill>
           </p:spPr>
+          <p:txBody>
+            <a:bodyPr/>
+            <a:lstStyle/>
+            <a:p>
+              <a:endParaRPr lang="pt-BR"/>
+            </a:p>
+          </p:txBody>
         </p:sp>
       </p:grpSp>
       <p:grpSp>
@@ -4024,6 +3981,13 @@
               <a:srgbClr val="FFFFFF"/>
             </a:solidFill>
           </p:spPr>
+          <p:txBody>
+            <a:bodyPr/>
+            <a:lstStyle/>
+            <a:p>
+              <a:endParaRPr lang="pt-BR"/>
+            </a:p>
+          </p:txBody>
         </p:sp>
       </p:grpSp>
       <p:grpSp>
@@ -4098,6 +4062,13 @@
               <a:srgbClr val="2B4A9D"/>
             </a:solidFill>
           </p:spPr>
+          <p:txBody>
+            <a:bodyPr/>
+            <a:lstStyle/>
+            <a:p>
+              <a:endParaRPr lang="pt-BR"/>
+            </a:p>
+          </p:txBody>
         </p:sp>
       </p:grpSp>
       <p:grpSp>
@@ -4172,6 +4143,13 @@
               <a:srgbClr val="2B4A9D"/>
             </a:solidFill>
           </p:spPr>
+          <p:txBody>
+            <a:bodyPr/>
+            <a:lstStyle/>
+            <a:p>
+              <a:endParaRPr lang="pt-BR"/>
+            </a:p>
+          </p:txBody>
         </p:sp>
       </p:grpSp>
       <p:grpSp>
@@ -4252,6 +4230,13 @@
               <a:srgbClr val="2B4A9D"/>
             </a:solidFill>
           </p:spPr>
+          <p:txBody>
+            <a:bodyPr/>
+            <a:lstStyle/>
+            <a:p>
+              <a:endParaRPr lang="pt-BR"/>
+            </a:p>
+          </p:txBody>
         </p:sp>
       </p:grpSp>
       <p:sp>
@@ -4370,6 +4355,13 @@
               <a:srgbClr val="2B4A9D"/>
             </a:solidFill>
           </p:spPr>
+          <p:txBody>
+            <a:bodyPr/>
+            <a:lstStyle/>
+            <a:p>
+              <a:endParaRPr lang="pt-BR"/>
+            </a:p>
+          </p:txBody>
         </p:sp>
       </p:grpSp>
       <p:sp>
@@ -4399,7 +4391,7 @@
               </a:lnSpc>
             </a:pPr>
             <a:r>
-              <a:rPr lang="en-US" sz="3500" spc="350" dirty="0" err="1" smtClean="0">
+              <a:rPr lang="en-US" sz="3500" spc="350" dirty="0" err="1">
                 <a:solidFill>
                   <a:srgbClr val="2B4A9D"/>
                 </a:solidFill>
@@ -4494,6 +4486,13 @@
               <a:srgbClr val="2B4A9D"/>
             </a:solidFill>
           </p:spPr>
+          <p:txBody>
+            <a:bodyPr/>
+            <a:lstStyle/>
+            <a:p>
+              <a:endParaRPr lang="pt-BR"/>
+            </a:p>
+          </p:txBody>
         </p:sp>
       </p:grpSp>
       <p:sp>
@@ -4523,7 +4522,7 @@
               </a:lnSpc>
             </a:pPr>
             <a:r>
-              <a:rPr lang="en-US" sz="3500" spc="350" dirty="0" err="1" smtClean="0">
+              <a:rPr lang="en-US" sz="3500" spc="350" dirty="0" err="1">
                 <a:solidFill>
                   <a:srgbClr val="2B4A9D"/>
                 </a:solidFill>
@@ -4532,7 +4531,7 @@
               <a:t>Criar</a:t>
             </a:r>
             <a:r>
-              <a:rPr lang="en-US" sz="3500" spc="350" dirty="0" smtClean="0">
+              <a:rPr lang="en-US" sz="3500" spc="350" dirty="0">
                 <a:solidFill>
                   <a:srgbClr val="2B4A9D"/>
                 </a:solidFill>
@@ -4540,12 +4539,6 @@
               </a:rPr>
               <a:t> um Scaffold</a:t>
             </a:r>
-            <a:endParaRPr lang="en-US" sz="3500" spc="350" dirty="0">
-              <a:solidFill>
-                <a:srgbClr val="2B4A9D"/>
-              </a:solidFill>
-              <a:latin typeface="Lato Bold"/>
-            </a:endParaRPr>
           </a:p>
         </p:txBody>
       </p:sp>
@@ -4627,6 +4620,13 @@
               <a:srgbClr val="2B4A9D"/>
             </a:solidFill>
           </p:spPr>
+          <p:txBody>
+            <a:bodyPr/>
+            <a:lstStyle/>
+            <a:p>
+              <a:endParaRPr lang="pt-BR"/>
+            </a:p>
+          </p:txBody>
         </p:sp>
       </p:grpSp>
       <p:sp>
@@ -4656,7 +4656,7 @@
               </a:lnSpc>
             </a:pPr>
             <a:r>
-              <a:rPr lang="en-US" sz="3500" spc="350" dirty="0" err="1" smtClean="0">
+              <a:rPr lang="en-US" sz="3500" spc="350" dirty="0" err="1">
                 <a:solidFill>
                   <a:srgbClr val="2B4A9D"/>
                 </a:solidFill>
@@ -4665,7 +4665,7 @@
               <a:t>Adicionar</a:t>
             </a:r>
             <a:r>
-              <a:rPr lang="en-US" sz="3500" spc="350" dirty="0" smtClean="0">
+              <a:rPr lang="en-US" sz="3500" spc="350" dirty="0">
                 <a:solidFill>
                   <a:srgbClr val="2B4A9D"/>
                 </a:solidFill>
@@ -4673,12 +4673,6 @@
               </a:rPr>
               <a:t> um Drawer</a:t>
             </a:r>
-            <a:endParaRPr lang="en-US" sz="3500" spc="350" dirty="0">
-              <a:solidFill>
-                <a:srgbClr val="2B4A9D"/>
-              </a:solidFill>
-              <a:latin typeface="Lato Bold"/>
-            </a:endParaRPr>
           </a:p>
         </p:txBody>
       </p:sp>
@@ -4760,6 +4754,13 @@
               <a:srgbClr val="2B4A9D"/>
             </a:solidFill>
           </p:spPr>
+          <p:txBody>
+            <a:bodyPr/>
+            <a:lstStyle/>
+            <a:p>
+              <a:endParaRPr lang="pt-BR"/>
+            </a:p>
+          </p:txBody>
         </p:sp>
       </p:grpSp>
       <p:sp>
@@ -4789,7 +4790,7 @@
               </a:lnSpc>
             </a:pPr>
             <a:r>
-              <a:rPr lang="en-US" sz="3500" spc="350" dirty="0" err="1" smtClean="0">
+              <a:rPr lang="en-US" sz="3500" spc="350" dirty="0" err="1">
                 <a:solidFill>
                   <a:srgbClr val="2B4A9D"/>
                 </a:solidFill>
@@ -4798,7 +4799,7 @@
               <a:t>Preencher</a:t>
             </a:r>
             <a:r>
-              <a:rPr lang="en-US" sz="3500" spc="350" dirty="0" smtClean="0">
+              <a:rPr lang="en-US" sz="3500" spc="350" dirty="0">
                 <a:solidFill>
                   <a:srgbClr val="2B4A9D"/>
                 </a:solidFill>
@@ -4806,12 +4807,6 @@
               </a:rPr>
               <a:t> um Drawer</a:t>
             </a:r>
-            <a:endParaRPr lang="en-US" sz="3500" spc="350" dirty="0">
-              <a:solidFill>
-                <a:srgbClr val="2B4A9D"/>
-              </a:solidFill>
-              <a:latin typeface="Lato Bold"/>
-            </a:endParaRPr>
           </a:p>
         </p:txBody>
       </p:sp>
@@ -4893,6 +4888,13 @@
               <a:srgbClr val="2B4A9D"/>
             </a:solidFill>
           </p:spPr>
+          <p:txBody>
+            <a:bodyPr/>
+            <a:lstStyle/>
+            <a:p>
+              <a:endParaRPr lang="pt-BR"/>
+            </a:p>
+          </p:txBody>
         </p:sp>
       </p:grpSp>
       <p:sp>
@@ -4922,7 +4924,7 @@
               </a:lnSpc>
             </a:pPr>
             <a:r>
-              <a:rPr lang="en-US" sz="3500" spc="350" dirty="0" err="1" smtClean="0">
+              <a:rPr lang="en-US" sz="3500" spc="350" dirty="0" err="1">
                 <a:solidFill>
                   <a:srgbClr val="2B4A9D"/>
                 </a:solidFill>
@@ -4931,7 +4933,7 @@
               <a:t>DrawerHeader</a:t>
             </a:r>
             <a:r>
-              <a:rPr lang="en-US" sz="3500" spc="350" dirty="0" smtClean="0">
+              <a:rPr lang="en-US" sz="3500" spc="350" dirty="0">
                 <a:solidFill>
                   <a:srgbClr val="2B4A9D"/>
                 </a:solidFill>
@@ -4940,7 +4942,7 @@
               <a:t> e </a:t>
             </a:r>
             <a:r>
-              <a:rPr lang="en-US" sz="3500" spc="350" dirty="0" err="1" smtClean="0">
+              <a:rPr lang="en-US" sz="3500" spc="350" dirty="0" err="1">
                 <a:solidFill>
                   <a:srgbClr val="2B4A9D"/>
                 </a:solidFill>
@@ -5035,6 +5037,13 @@
               <a:srgbClr val="2B4A9D"/>
             </a:solidFill>
           </p:spPr>
+          <p:txBody>
+            <a:bodyPr/>
+            <a:lstStyle/>
+            <a:p>
+              <a:endParaRPr lang="pt-BR"/>
+            </a:p>
+          </p:txBody>
         </p:sp>
       </p:grpSp>
       <p:sp>
@@ -5064,7 +5073,7 @@
               </a:lnSpc>
             </a:pPr>
             <a:r>
-              <a:rPr lang="en-US" sz="3500" spc="350" dirty="0" err="1" smtClean="0">
+              <a:rPr lang="en-US" sz="3500" spc="350" dirty="0" err="1">
                 <a:solidFill>
                   <a:srgbClr val="2B4A9D"/>
                 </a:solidFill>
@@ -5073,7 +5082,7 @@
               <a:t>Fechar</a:t>
             </a:r>
             <a:r>
-              <a:rPr lang="en-US" sz="3500" spc="350" dirty="0" smtClean="0">
+              <a:rPr lang="en-US" sz="3500" spc="350" dirty="0">
                 <a:solidFill>
                   <a:srgbClr val="2B4A9D"/>
                 </a:solidFill>
@@ -5081,12 +5090,6 @@
               </a:rPr>
               <a:t> um Drawer</a:t>
             </a:r>
-            <a:endParaRPr lang="en-US" sz="3500" spc="350" dirty="0">
-              <a:solidFill>
-                <a:srgbClr val="2B4A9D"/>
-              </a:solidFill>
-              <a:latin typeface="Lato Bold"/>
-            </a:endParaRPr>
           </a:p>
         </p:txBody>
       </p:sp>
@@ -5095,13 +5098,6 @@
   <p:clrMapOvr>
     <a:masterClrMapping/>
   </p:clrMapOvr>
-  <p:timing>
-    <p:tnLst>
-      <p:par>
-        <p:cTn id="1" dur="indefinite" restart="never" nodeType="tmRoot"/>
-      </p:par>
-    </p:tnLst>
-  </p:timing>
 </p:sld>
 </file>
 
@@ -5149,7 +5145,7 @@
               </a:lnSpc>
             </a:pPr>
             <a:r>
-              <a:rPr lang="en-US" sz="5000" spc="300" dirty="0" err="1" smtClean="0">
+              <a:rPr lang="en-US" sz="5000" spc="300" dirty="0" err="1">
                 <a:solidFill>
                   <a:srgbClr val="2B4A9D"/>
                 </a:solidFill>
@@ -5219,6 +5215,13 @@
               <a:srgbClr val="2B4A9D"/>
             </a:solidFill>
           </p:spPr>
+          <p:txBody>
+            <a:bodyPr/>
+            <a:lstStyle/>
+            <a:p>
+              <a:endParaRPr lang="pt-BR"/>
+            </a:p>
+          </p:txBody>
         </p:sp>
       </p:grpSp>
       <p:sp>
@@ -5230,7 +5233,7 @@
         <p:spPr>
           <a:xfrm>
             <a:off x="990600" y="2247900"/>
-            <a:ext cx="16144008" cy="6771084"/>
+            <a:ext cx="16144008" cy="6094489"/>
           </a:xfrm>
           <a:prstGeom prst="rect">
             <a:avLst/>
@@ -5250,7 +5253,7 @@
               <a:buChar char="•"/>
             </a:pPr>
             <a:r>
-              <a:rPr lang="pt-BR" sz="3400" dirty="0" smtClean="0">
+              <a:rPr lang="pt-BR" sz="3400" dirty="0">
                 <a:latin typeface="Lato" panose="020B0604020202020204" charset="0"/>
                 <a:ea typeface="Lato" panose="020B0604020202020204" charset="0"/>
                 <a:cs typeface="Lato" panose="020B0604020202020204" charset="0"/>
@@ -5284,15 +5287,15 @@
               <a:buChar char="•"/>
             </a:pPr>
             <a:r>
-              <a:rPr lang="pt-BR" sz="3400" spc="339" dirty="0" smtClean="0">
-                <a:solidFill>
-                  <a:srgbClr val="000000"/>
-                </a:solidFill>
-                <a:latin typeface="Lato" panose="020B0604020202020204" charset="0"/>
-                <a:ea typeface="Lato" panose="020B0604020202020204" charset="0"/>
-                <a:cs typeface="Lato" panose="020B0604020202020204" charset="0"/>
-              </a:rPr>
-              <a:t>Sendo utilizado, principalmente, quando não há espaço suficiente para agrupar todas as funcionalidades;</a:t>
+              <a:rPr lang="pt-BR" sz="3400" spc="339" dirty="0">
+                <a:solidFill>
+                  <a:srgbClr val="000000"/>
+                </a:solidFill>
+                <a:latin typeface="Lato" panose="020B0604020202020204" charset="0"/>
+                <a:ea typeface="Lato" panose="020B0604020202020204" charset="0"/>
+                <a:cs typeface="Lato" panose="020B0604020202020204" charset="0"/>
+              </a:rPr>
+              <a:t>No desenvolvimento mobile, como não há espaço suficiente para agrupar todas as funcionalidades, utilizamos vários menus;</a:t>
             </a:r>
           </a:p>
           <a:p>
@@ -5321,7 +5324,7 @@
               <a:buChar char="•"/>
             </a:pPr>
             <a:r>
-              <a:rPr lang="pt-BR" sz="3400" spc="339" dirty="0" smtClean="0">
+              <a:rPr lang="pt-BR" sz="3400" spc="339" dirty="0">
                 <a:solidFill>
                   <a:srgbClr val="000000"/>
                 </a:solidFill>
@@ -5332,7 +5335,7 @@
               <a:t>No </a:t>
             </a:r>
             <a:r>
-              <a:rPr lang="pt-BR" sz="3400" spc="339" dirty="0" err="1" smtClean="0">
+              <a:rPr lang="pt-BR" sz="3400" spc="339" dirty="0" err="1">
                 <a:solidFill>
                   <a:srgbClr val="000000"/>
                 </a:solidFill>
@@ -5343,15 +5346,15 @@
               <a:t>Flutter</a:t>
             </a:r>
             <a:r>
-              <a:rPr lang="pt-BR" sz="3400" spc="339" dirty="0" smtClean="0">
-                <a:solidFill>
-                  <a:srgbClr val="000000"/>
-                </a:solidFill>
-                <a:latin typeface="Lato" panose="020B0604020202020204" charset="0"/>
-                <a:ea typeface="Lato" panose="020B0604020202020204" charset="0"/>
-                <a:cs typeface="Lato" panose="020B0604020202020204" charset="0"/>
-              </a:rPr>
-              <a:t>, para criar um menu é simples, seguindo as seguintes etapas:</a:t>
+              <a:rPr lang="pt-BR" sz="3400" spc="339" dirty="0">
+                <a:solidFill>
+                  <a:srgbClr val="000000"/>
+                </a:solidFill>
+                <a:latin typeface="Lato" panose="020B0604020202020204" charset="0"/>
+                <a:ea typeface="Lato" panose="020B0604020202020204" charset="0"/>
+                <a:cs typeface="Lato" panose="020B0604020202020204" charset="0"/>
+              </a:rPr>
+              <a:t>, criar um menu é simples, seguindo as seguintes etapas:</a:t>
             </a:r>
           </a:p>
           <a:p>
@@ -5361,7 +5364,7 @@
               </a:lnSpc>
             </a:pPr>
             <a:r>
-              <a:rPr lang="pt-BR" sz="3400" spc="339" dirty="0" smtClean="0">
+              <a:rPr lang="pt-BR" sz="3400" spc="339" dirty="0">
                 <a:solidFill>
                   <a:srgbClr val="000000"/>
                 </a:solidFill>
@@ -5380,21 +5383,10 @@
                 <a:ea typeface="Lato" panose="020B0604020202020204" charset="0"/>
                 <a:cs typeface="Lato" panose="020B0604020202020204" charset="0"/>
               </a:rPr>
-              <a:t>S</a:t>
-            </a:r>
-            <a:r>
-              <a:rPr lang="pt-BR" sz="3400" spc="339" dirty="0" err="1" smtClean="0">
-                <a:solidFill>
-                  <a:srgbClr val="000000"/>
-                </a:solidFill>
-                <a:latin typeface="Lato" panose="020B0604020202020204" charset="0"/>
-                <a:ea typeface="Lato" panose="020B0604020202020204" charset="0"/>
-                <a:cs typeface="Lato" panose="020B0604020202020204" charset="0"/>
-              </a:rPr>
-              <a:t>caffold</a:t>
-            </a:r>
-            <a:r>
-              <a:rPr lang="pt-BR" sz="3400" spc="339" dirty="0" smtClean="0">
+              <a:t>Scaffold</a:t>
+            </a:r>
+            <a:r>
+              <a:rPr lang="pt-BR" sz="3400" spc="339" dirty="0">
                 <a:solidFill>
                   <a:srgbClr val="000000"/>
                 </a:solidFill>
@@ -5420,21 +5412,10 @@
                 <a:ea typeface="Lato" panose="020B0604020202020204" charset="0"/>
                 <a:cs typeface="Lato" panose="020B0604020202020204" charset="0"/>
               </a:rPr>
-              <a:t>	</a:t>
-            </a:r>
-            <a:r>
-              <a:rPr lang="pt-BR" sz="3400" spc="339" dirty="0" smtClean="0">
-                <a:solidFill>
-                  <a:srgbClr val="000000"/>
-                </a:solidFill>
-                <a:latin typeface="Lato" panose="020B0604020202020204" charset="0"/>
-                <a:ea typeface="Lato" panose="020B0604020202020204" charset="0"/>
-                <a:cs typeface="Lato" panose="020B0604020202020204" charset="0"/>
-              </a:rPr>
-              <a:t>2. Adicionar um </a:t>
-            </a:r>
-            <a:r>
-              <a:rPr lang="pt-BR" sz="3400" spc="339" dirty="0" err="1" smtClean="0">
+              <a:t>	2. Adicionar um </a:t>
+            </a:r>
+            <a:r>
+              <a:rPr lang="pt-BR" sz="3400" spc="339" dirty="0" err="1">
                 <a:solidFill>
                   <a:srgbClr val="000000"/>
                 </a:solidFill>
@@ -5445,7 +5426,7 @@
               <a:t>Drawer</a:t>
             </a:r>
             <a:r>
-              <a:rPr lang="pt-BR" sz="3400" spc="339" dirty="0" smtClean="0">
+              <a:rPr lang="pt-BR" sz="3400" spc="339" dirty="0">
                 <a:solidFill>
                   <a:srgbClr val="000000"/>
                 </a:solidFill>
@@ -5471,21 +5452,10 @@
                 <a:ea typeface="Lato" panose="020B0604020202020204" charset="0"/>
                 <a:cs typeface="Lato" panose="020B0604020202020204" charset="0"/>
               </a:rPr>
-              <a:t>	</a:t>
-            </a:r>
-            <a:r>
-              <a:rPr lang="pt-BR" sz="3400" spc="339" dirty="0" smtClean="0">
-                <a:solidFill>
-                  <a:srgbClr val="000000"/>
-                </a:solidFill>
-                <a:latin typeface="Lato" panose="020B0604020202020204" charset="0"/>
-                <a:ea typeface="Lato" panose="020B0604020202020204" charset="0"/>
-                <a:cs typeface="Lato" panose="020B0604020202020204" charset="0"/>
-              </a:rPr>
-              <a:t>3. Preencher um </a:t>
-            </a:r>
-            <a:r>
-              <a:rPr lang="pt-BR" sz="3400" spc="339" dirty="0" err="1" smtClean="0">
+              <a:t>	3. Preencher um </a:t>
+            </a:r>
+            <a:r>
+              <a:rPr lang="pt-BR" sz="3400" spc="339" dirty="0" err="1">
                 <a:solidFill>
                   <a:srgbClr val="000000"/>
                 </a:solidFill>
@@ -5496,7 +5466,7 @@
               <a:t>Drawer</a:t>
             </a:r>
             <a:r>
-              <a:rPr lang="pt-BR" sz="3400" spc="339" dirty="0" smtClean="0">
+              <a:rPr lang="pt-BR" sz="3400" spc="339" dirty="0">
                 <a:solidFill>
                   <a:srgbClr val="000000"/>
                 </a:solidFill>
@@ -5522,21 +5492,10 @@
                 <a:ea typeface="Lato" panose="020B0604020202020204" charset="0"/>
                 <a:cs typeface="Lato" panose="020B0604020202020204" charset="0"/>
               </a:rPr>
-              <a:t>	</a:t>
-            </a:r>
-            <a:r>
-              <a:rPr lang="pt-BR" sz="3400" spc="339" dirty="0" smtClean="0">
-                <a:solidFill>
-                  <a:srgbClr val="000000"/>
-                </a:solidFill>
-                <a:latin typeface="Lato" panose="020B0604020202020204" charset="0"/>
-                <a:ea typeface="Lato" panose="020B0604020202020204" charset="0"/>
-                <a:cs typeface="Lato" panose="020B0604020202020204" charset="0"/>
-              </a:rPr>
-              <a:t>4. Fechar o </a:t>
-            </a:r>
-            <a:r>
-              <a:rPr lang="pt-BR" sz="3400" spc="339" dirty="0" err="1" smtClean="0">
+              <a:t>	4. Fechar o </a:t>
+            </a:r>
+            <a:r>
+              <a:rPr lang="pt-BR" sz="3400" spc="339" dirty="0" err="1">
                 <a:solidFill>
                   <a:srgbClr val="000000"/>
                 </a:solidFill>
@@ -5547,7 +5506,7 @@
               <a:t>Drawer</a:t>
             </a:r>
             <a:r>
-              <a:rPr lang="pt-BR" sz="3400" spc="339" dirty="0" smtClean="0">
+              <a:rPr lang="pt-BR" sz="3400" spc="339" dirty="0">
                 <a:solidFill>
                   <a:srgbClr val="000000"/>
                 </a:solidFill>
@@ -5557,7 +5516,7 @@
               </a:rPr>
               <a:t> programaticamente.</a:t>
             </a:r>
-            <a:endParaRPr lang="en-US" sz="3399" spc="339" dirty="0" smtClean="0">
+            <a:endParaRPr lang="en-US" sz="3399" spc="339" dirty="0">
               <a:solidFill>
                 <a:srgbClr val="000000"/>
               </a:solidFill>
@@ -5573,13 +5532,6 @@
   <p:clrMapOvr>
     <a:masterClrMapping/>
   </p:clrMapOvr>
-  <p:timing>
-    <p:tnLst>
-      <p:par>
-        <p:cTn id="1" dur="indefinite" restart="never" nodeType="tmRoot"/>
-      </p:par>
-    </p:tnLst>
-  </p:timing>
 </p:sld>
 </file>
 
@@ -5627,7 +5579,7 @@
               </a:lnSpc>
             </a:pPr>
             <a:r>
-              <a:rPr lang="en-US" sz="5000" spc="300" dirty="0" err="1" smtClean="0">
+              <a:rPr lang="en-US" sz="5000" spc="300" dirty="0" err="1">
                 <a:solidFill>
                   <a:srgbClr val="2B4A9D"/>
                 </a:solidFill>
@@ -5636,7 +5588,7 @@
               <a:t>Passo</a:t>
             </a:r>
             <a:r>
-              <a:rPr lang="en-US" sz="5000" spc="300" dirty="0" smtClean="0">
+              <a:rPr lang="en-US" sz="5000" spc="300" dirty="0">
                 <a:solidFill>
                   <a:srgbClr val="2B4A9D"/>
                 </a:solidFill>
@@ -5645,7 +5597,7 @@
               <a:t> 01 – </a:t>
             </a:r>
             <a:r>
-              <a:rPr lang="en-US" sz="5000" spc="300" dirty="0" err="1" smtClean="0">
+              <a:rPr lang="en-US" sz="5000" spc="300" dirty="0" err="1">
                 <a:solidFill>
                   <a:srgbClr val="2B4A9D"/>
                 </a:solidFill>
@@ -5654,7 +5606,7 @@
               <a:t>Crie</a:t>
             </a:r>
             <a:r>
-              <a:rPr lang="en-US" sz="5000" spc="300" dirty="0" smtClean="0">
+              <a:rPr lang="en-US" sz="5000" spc="300" dirty="0">
                 <a:solidFill>
                   <a:srgbClr val="2B4A9D"/>
                 </a:solidFill>
@@ -5662,12 +5614,6 @@
               </a:rPr>
               <a:t> um Scaffold</a:t>
             </a:r>
-            <a:endParaRPr lang="en-US" sz="5000" spc="300" dirty="0">
-              <a:solidFill>
-                <a:srgbClr val="2B4A9D"/>
-              </a:solidFill>
-              <a:latin typeface="Poppins Ultra-Bold"/>
-            </a:endParaRPr>
           </a:p>
         </p:txBody>
       </p:sp>
@@ -5724,6 +5670,13 @@
               <a:srgbClr val="2B4A9D"/>
             </a:solidFill>
           </p:spPr>
+          <p:txBody>
+            <a:bodyPr/>
+            <a:lstStyle/>
+            <a:p>
+              <a:endParaRPr lang="pt-BR"/>
+            </a:p>
+          </p:txBody>
         </p:sp>
       </p:grpSp>
       <p:sp>
@@ -5755,7 +5708,7 @@
               <a:buChar char="•"/>
             </a:pPr>
             <a:r>
-              <a:rPr lang="en-US" sz="3399" spc="339" dirty="0" smtClean="0">
+              <a:rPr lang="en-US" sz="3399" spc="339" dirty="0">
                 <a:solidFill>
                   <a:srgbClr val="000000"/>
                 </a:solidFill>
@@ -5766,7 +5719,7 @@
               <a:t>O widget Scaffold </a:t>
             </a:r>
             <a:r>
-              <a:rPr lang="en-US" sz="3399" spc="339" dirty="0" err="1" smtClean="0">
+              <a:rPr lang="en-US" sz="3399" spc="339" dirty="0" err="1">
                 <a:solidFill>
                   <a:srgbClr val="000000"/>
                 </a:solidFill>
@@ -5777,7 +5730,7 @@
               <a:t>fornece</a:t>
             </a:r>
             <a:r>
-              <a:rPr lang="en-US" sz="3399" spc="339" dirty="0" smtClean="0">
+              <a:rPr lang="en-US" sz="3399" spc="339" dirty="0">
                 <a:solidFill>
                   <a:srgbClr val="000000"/>
                 </a:solidFill>
@@ -5788,7 +5741,7 @@
               <a:t> </a:t>
             </a:r>
             <a:r>
-              <a:rPr lang="en-US" sz="3399" spc="339" dirty="0" err="1" smtClean="0">
+              <a:rPr lang="en-US" sz="3399" spc="339" dirty="0" err="1">
                 <a:solidFill>
                   <a:srgbClr val="000000"/>
                 </a:solidFill>
@@ -5799,7 +5752,7 @@
               <a:t>uma</a:t>
             </a:r>
             <a:r>
-              <a:rPr lang="en-US" sz="3399" spc="339" dirty="0" smtClean="0">
+              <a:rPr lang="en-US" sz="3399" spc="339" dirty="0">
                 <a:solidFill>
                   <a:srgbClr val="000000"/>
                 </a:solidFill>
@@ -5810,7 +5763,7 @@
               <a:t> </a:t>
             </a:r>
             <a:r>
-              <a:rPr lang="en-US" sz="3399" spc="339" dirty="0" err="1" smtClean="0">
+              <a:rPr lang="en-US" sz="3399" spc="339" dirty="0" err="1">
                 <a:solidFill>
                   <a:srgbClr val="000000"/>
                 </a:solidFill>
@@ -5821,7 +5774,7 @@
               <a:t>estrutura</a:t>
             </a:r>
             <a:r>
-              <a:rPr lang="en-US" sz="3399" spc="339" dirty="0" smtClean="0">
+              <a:rPr lang="en-US" sz="3399" spc="339" dirty="0">
                 <a:solidFill>
                   <a:srgbClr val="000000"/>
                 </a:solidFill>
@@ -5832,7 +5785,7 @@
               <a:t> visual </a:t>
             </a:r>
             <a:r>
-              <a:rPr lang="en-US" sz="3399" spc="339" dirty="0" err="1" smtClean="0">
+              <a:rPr lang="en-US" sz="3399" spc="339" dirty="0" err="1">
                 <a:solidFill>
                   <a:srgbClr val="000000"/>
                 </a:solidFill>
@@ -5843,7 +5796,7 @@
               <a:t>consistente</a:t>
             </a:r>
             <a:r>
-              <a:rPr lang="en-US" sz="3399" spc="339" dirty="0" smtClean="0">
+              <a:rPr lang="en-US" sz="3399" spc="339" dirty="0">
                 <a:solidFill>
                   <a:srgbClr val="000000"/>
                 </a:solidFill>
@@ -5854,7 +5807,7 @@
               <a:t> para </a:t>
             </a:r>
             <a:r>
-              <a:rPr lang="en-US" sz="3399" spc="339" dirty="0" err="1" smtClean="0">
+              <a:rPr lang="en-US" sz="3399" spc="339" dirty="0" err="1">
                 <a:solidFill>
                   <a:srgbClr val="000000"/>
                 </a:solidFill>
@@ -5865,7 +5818,7 @@
               <a:t>os</a:t>
             </a:r>
             <a:r>
-              <a:rPr lang="en-US" sz="3399" spc="339" dirty="0" smtClean="0">
+              <a:rPr lang="en-US" sz="3399" spc="339" dirty="0">
                 <a:solidFill>
                   <a:srgbClr val="000000"/>
                 </a:solidFill>
@@ -5876,7 +5829,7 @@
               <a:t> </a:t>
             </a:r>
             <a:r>
-              <a:rPr lang="en-US" sz="3399" spc="339" dirty="0" err="1" smtClean="0">
+              <a:rPr lang="en-US" sz="3399" spc="339" dirty="0" err="1">
                 <a:solidFill>
                   <a:srgbClr val="000000"/>
                 </a:solidFill>
@@ -5887,7 +5840,7 @@
               <a:t>aplicativos</a:t>
             </a:r>
             <a:r>
-              <a:rPr lang="en-US" sz="3399" spc="339" dirty="0" smtClean="0">
+              <a:rPr lang="en-US" sz="3399" spc="339" dirty="0">
                 <a:solidFill>
                   <a:srgbClr val="000000"/>
                 </a:solidFill>
@@ -5898,7 +5851,7 @@
               <a:t>, </a:t>
             </a:r>
             <a:r>
-              <a:rPr lang="en-US" sz="3399" spc="339" dirty="0" err="1" smtClean="0">
+              <a:rPr lang="en-US" sz="3399" spc="339" dirty="0" err="1">
                 <a:solidFill>
                   <a:srgbClr val="000000"/>
                 </a:solidFill>
@@ -5909,7 +5862,7 @@
               <a:t>oferencendo</a:t>
             </a:r>
             <a:r>
-              <a:rPr lang="en-US" sz="3399" spc="339" dirty="0" smtClean="0">
+              <a:rPr lang="en-US" sz="3399" spc="339" dirty="0">
                 <a:solidFill>
                   <a:srgbClr val="000000"/>
                 </a:solidFill>
@@ -5920,7 +5873,7 @@
               <a:t> </a:t>
             </a:r>
             <a:r>
-              <a:rPr lang="en-US" sz="3399" spc="339" dirty="0" err="1" smtClean="0">
+              <a:rPr lang="en-US" sz="3399" spc="339" dirty="0" err="1">
                 <a:solidFill>
                   <a:srgbClr val="000000"/>
                 </a:solidFill>
@@ -5931,7 +5884,7 @@
               <a:t>suporte</a:t>
             </a:r>
             <a:r>
-              <a:rPr lang="en-US" sz="3399" spc="339" dirty="0" smtClean="0">
+              <a:rPr lang="en-US" sz="3399" spc="339" dirty="0">
                 <a:solidFill>
                   <a:srgbClr val="000000"/>
                 </a:solidFill>
@@ -5942,7 +5895,7 @@
               <a:t> a components </a:t>
             </a:r>
             <a:r>
-              <a:rPr lang="en-US" sz="3399" spc="339" dirty="0" err="1" smtClean="0">
+              <a:rPr lang="en-US" sz="3399" spc="339" dirty="0" err="1">
                 <a:solidFill>
                   <a:srgbClr val="000000"/>
                 </a:solidFill>
@@ -5953,7 +5906,7 @@
               <a:t>especiais</a:t>
             </a:r>
             <a:r>
-              <a:rPr lang="en-US" sz="3399" spc="339" dirty="0" smtClean="0">
+              <a:rPr lang="en-US" sz="3399" spc="339" dirty="0">
                 <a:solidFill>
                   <a:srgbClr val="000000"/>
                 </a:solidFill>
@@ -5964,7 +5917,7 @@
               <a:t>, </a:t>
             </a:r>
             <a:r>
-              <a:rPr lang="en-US" sz="3399" spc="339" dirty="0" err="1" smtClean="0">
+              <a:rPr lang="en-US" sz="3399" spc="339" dirty="0" err="1">
                 <a:solidFill>
                   <a:srgbClr val="000000"/>
                 </a:solidFill>
@@ -5975,7 +5928,7 @@
               <a:t>como</a:t>
             </a:r>
             <a:r>
-              <a:rPr lang="en-US" sz="3399" spc="339" dirty="0" smtClean="0">
+              <a:rPr lang="en-US" sz="3399" spc="339" dirty="0">
                 <a:solidFill>
                   <a:srgbClr val="000000"/>
                 </a:solidFill>
@@ -5986,7 +5939,7 @@
               <a:t> Drawers, </a:t>
             </a:r>
             <a:r>
-              <a:rPr lang="en-US" sz="3399" spc="339" dirty="0" err="1" smtClean="0">
+              <a:rPr lang="en-US" sz="3399" spc="339" dirty="0" err="1">
                 <a:solidFill>
                   <a:srgbClr val="000000"/>
                 </a:solidFill>
@@ -5997,7 +5950,7 @@
               <a:t>AppBars</a:t>
             </a:r>
             <a:r>
-              <a:rPr lang="en-US" sz="3399" spc="339" dirty="0" smtClean="0">
+              <a:rPr lang="en-US" sz="3399" spc="339" dirty="0">
                 <a:solidFill>
                   <a:srgbClr val="000000"/>
                 </a:solidFill>
@@ -6008,7 +5961,7 @@
               <a:t> e </a:t>
             </a:r>
             <a:r>
-              <a:rPr lang="en-US" sz="3399" spc="339" dirty="0" err="1" smtClean="0">
+              <a:rPr lang="en-US" sz="3399" spc="339" dirty="0" err="1">
                 <a:solidFill>
                   <a:srgbClr val="000000"/>
                 </a:solidFill>
@@ -6019,7 +5972,7 @@
               <a:t>SnackBars</a:t>
             </a:r>
             <a:r>
-              <a:rPr lang="en-US" sz="3399" spc="339" dirty="0" smtClean="0">
+              <a:rPr lang="en-US" sz="3399" spc="339" dirty="0">
                 <a:solidFill>
                   <a:srgbClr val="000000"/>
                 </a:solidFill>
@@ -6056,7 +6009,7 @@
               <a:buChar char="•"/>
             </a:pPr>
             <a:r>
-              <a:rPr lang="en-US" sz="3399" spc="339" dirty="0" err="1" smtClean="0">
+              <a:rPr lang="en-US" sz="3399" spc="339" dirty="0" err="1">
                 <a:solidFill>
                   <a:srgbClr val="000000"/>
                 </a:solidFill>
@@ -6067,7 +6020,7 @@
               <a:t>Neste</a:t>
             </a:r>
             <a:r>
-              <a:rPr lang="en-US" sz="3399" spc="339" dirty="0" smtClean="0">
+              <a:rPr lang="en-US" sz="3399" spc="339" dirty="0">
                 <a:solidFill>
                   <a:srgbClr val="000000"/>
                 </a:solidFill>
@@ -6078,7 +6031,7 @@
               <a:t> </a:t>
             </a:r>
             <a:r>
-              <a:rPr lang="en-US" sz="3399" spc="339" dirty="0" err="1" smtClean="0">
+              <a:rPr lang="en-US" sz="3399" spc="339" dirty="0" err="1">
                 <a:solidFill>
                   <a:srgbClr val="000000"/>
                 </a:solidFill>
@@ -6089,7 +6042,7 @@
               <a:t>exemplo</a:t>
             </a:r>
             <a:r>
-              <a:rPr lang="en-US" sz="3399" spc="339" dirty="0" smtClean="0">
+              <a:rPr lang="en-US" sz="3399" spc="339" dirty="0">
                 <a:solidFill>
                   <a:srgbClr val="000000"/>
                 </a:solidFill>
@@ -6100,7 +6053,7 @@
               <a:t>, é </a:t>
             </a:r>
             <a:r>
-              <a:rPr lang="en-US" sz="3399" spc="339" dirty="0" err="1" smtClean="0">
+              <a:rPr lang="en-US" sz="3399" spc="339" dirty="0" err="1">
                 <a:solidFill>
                   <a:srgbClr val="000000"/>
                 </a:solidFill>
@@ -6111,7 +6064,7 @@
               <a:t>criado</a:t>
             </a:r>
             <a:r>
-              <a:rPr lang="en-US" sz="3399" spc="339" dirty="0" smtClean="0">
+              <a:rPr lang="en-US" sz="3399" spc="339" dirty="0">
                 <a:solidFill>
                   <a:srgbClr val="000000"/>
                 </a:solidFill>
@@ -6122,7 +6075,7 @@
               <a:t> um Scaffold </a:t>
             </a:r>
             <a:r>
-              <a:rPr lang="en-US" sz="3399" spc="339" dirty="0" err="1" smtClean="0">
+              <a:rPr lang="en-US" sz="3399" spc="339" dirty="0" err="1">
                 <a:solidFill>
                   <a:srgbClr val="000000"/>
                 </a:solidFill>
@@ -6133,7 +6086,7 @@
               <a:t>em</a:t>
             </a:r>
             <a:r>
-              <a:rPr lang="en-US" sz="3399" spc="339" dirty="0" smtClean="0">
+              <a:rPr lang="en-US" sz="3399" spc="339" dirty="0">
                 <a:solidFill>
                   <a:srgbClr val="000000"/>
                 </a:solidFill>
@@ -6144,7 +6097,7 @@
               <a:t> </a:t>
             </a:r>
             <a:r>
-              <a:rPr lang="en-US" sz="3399" spc="339" dirty="0" err="1" smtClean="0">
+              <a:rPr lang="en-US" sz="3399" spc="339" dirty="0" err="1">
                 <a:solidFill>
                   <a:srgbClr val="000000"/>
                 </a:solidFill>
@@ -6155,7 +6108,7 @@
               <a:t>conjunto</a:t>
             </a:r>
             <a:r>
-              <a:rPr lang="en-US" sz="3399" spc="339" dirty="0" smtClean="0">
+              <a:rPr lang="en-US" sz="3399" spc="339" dirty="0">
                 <a:solidFill>
                   <a:srgbClr val="000000"/>
                 </a:solidFill>
@@ -6165,14 +6118,6 @@
               </a:rPr>
               <a:t> com um Drawer.</a:t>
             </a:r>
-            <a:endParaRPr lang="en-US" sz="3399" spc="339" dirty="0">
-              <a:solidFill>
-                <a:srgbClr val="000000"/>
-              </a:solidFill>
-              <a:latin typeface="Lato" panose="020B0604020202020204" charset="0"/>
-              <a:ea typeface="Lato" panose="020B0604020202020204" charset="0"/>
-              <a:cs typeface="Lato" panose="020B0604020202020204" charset="0"/>
-            </a:endParaRPr>
           </a:p>
         </p:txBody>
       </p:sp>
@@ -6230,7 +6175,7 @@
           <a:p>
             <a:pPr algn="ctr"/>
             <a:r>
-              <a:rPr lang="pt-BR" sz="2400" dirty="0" smtClean="0">
+              <a:rPr lang="pt-BR" sz="2400" dirty="0">
                 <a:latin typeface="Lato" panose="020B0604020202020204" charset="0"/>
                 <a:ea typeface="Lato" panose="020B0604020202020204" charset="0"/>
                 <a:cs typeface="Lato" panose="020B0604020202020204" charset="0"/>
@@ -6238,69 +6183,46 @@
               <a:t>Figura 01 – Criação de um </a:t>
             </a:r>
             <a:r>
-              <a:rPr lang="pt-BR" sz="2400" dirty="0" err="1" smtClean="0">
+              <a:rPr lang="pt-BR" sz="2400" dirty="0" err="1">
                 <a:latin typeface="Lato" panose="020B0604020202020204" charset="0"/>
                 <a:ea typeface="Lato" panose="020B0604020202020204" charset="0"/>
                 <a:cs typeface="Lato" panose="020B0604020202020204" charset="0"/>
               </a:rPr>
               <a:t>Scaffold</a:t>
-            </a:r>
-            <a:endParaRPr lang="pt-BR" sz="2400" dirty="0" smtClean="0">
-              <a:latin typeface="Lato" panose="020B0604020202020204" charset="0"/>
-              <a:ea typeface="Lato" panose="020B0604020202020204" charset="0"/>
-              <a:cs typeface="Lato" panose="020B0604020202020204" charset="0"/>
-            </a:endParaRPr>
-          </a:p>
-          <a:p>
-            <a:pPr algn="ctr"/>
-            <a:r>
-              <a:rPr lang="pt-BR" sz="2400" dirty="0">
-                <a:latin typeface="Lato" panose="020B0604020202020204" charset="0"/>
-                <a:ea typeface="Lato" panose="020B0604020202020204" charset="0"/>
-                <a:cs typeface="Lato" panose="020B0604020202020204" charset="0"/>
-              </a:rPr>
-              <a:t>Fonte: </a:t>
-            </a:r>
-            <a:r>
-              <a:rPr lang="pt-BR" sz="2400" dirty="0" smtClean="0">
-                <a:latin typeface="Lato" panose="020B0604020202020204" charset="0"/>
-                <a:ea typeface="Lato" panose="020B0604020202020204" charset="0"/>
-                <a:cs typeface="Lato" panose="020B0604020202020204" charset="0"/>
-                <a:hlinkClick r:id="rId3"/>
-              </a:rPr>
-              <a:t>https</a:t>
-            </a:r>
-            <a:r>
-              <a:rPr lang="pt-BR" sz="2400" dirty="0">
-                <a:latin typeface="Lato" panose="020B0604020202020204" charset="0"/>
-                <a:ea typeface="Lato" panose="020B0604020202020204" charset="0"/>
-                <a:cs typeface="Lato" panose="020B0604020202020204" charset="0"/>
-                <a:hlinkClick r:id="rId3"/>
-              </a:rPr>
-              <a:t>://</a:t>
-            </a:r>
-            <a:r>
-              <a:rPr lang="pt-BR" sz="2400" dirty="0" smtClean="0">
-                <a:latin typeface="Lato" panose="020B0604020202020204" charset="0"/>
-                <a:ea typeface="Lato" panose="020B0604020202020204" charset="0"/>
-                <a:cs typeface="Lato" panose="020B0604020202020204" charset="0"/>
-                <a:hlinkClick r:id="rId3"/>
-              </a:rPr>
-              <a:t>docs.flutter.dev/cookbook/design/drawer</a:t>
-            </a:r>
-            <a:r>
-              <a:rPr lang="pt-BR" sz="2400" dirty="0" smtClean="0">
-                <a:latin typeface="Lato" panose="020B0604020202020204" charset="0"/>
-                <a:ea typeface="Lato" panose="020B0604020202020204" charset="0"/>
-                <a:cs typeface="Lato" panose="020B0604020202020204" charset="0"/>
-              </a:rPr>
-              <a:t>.</a:t>
             </a:r>
             <a:endParaRPr lang="pt-BR" sz="2400" dirty="0">
               <a:latin typeface="Lato" panose="020B0604020202020204" charset="0"/>
               <a:ea typeface="Lato" panose="020B0604020202020204" charset="0"/>
               <a:cs typeface="Lato" panose="020B0604020202020204" charset="0"/>
             </a:endParaRPr>
+          </a:p>
+          <a:p>
+            <a:pPr algn="ctr"/>
+            <a:r>
+              <a:rPr lang="pt-BR" sz="2400" dirty="0">
+                <a:latin typeface="Lato" panose="020B0604020202020204" charset="0"/>
+                <a:ea typeface="Lato" panose="020B0604020202020204" charset="0"/>
+                <a:cs typeface="Lato" panose="020B0604020202020204" charset="0"/>
+              </a:rPr>
+              <a:t>Fonte: </a:t>
+            </a:r>
+            <a:r>
+              <a:rPr lang="pt-BR" sz="2400" dirty="0">
+                <a:latin typeface="Lato" panose="020B0604020202020204" charset="0"/>
+                <a:ea typeface="Lato" panose="020B0604020202020204" charset="0"/>
+                <a:cs typeface="Lato" panose="020B0604020202020204" charset="0"/>
+                <a:hlinkClick r:id="rId3"/>
+              </a:rPr>
+              <a:t>https://docs.flutter.dev/cookbook/design/drawer</a:t>
+            </a:r>
+            <a:r>
+              <a:rPr lang="pt-BR" sz="2400" dirty="0">
+                <a:latin typeface="Lato" panose="020B0604020202020204" charset="0"/>
+                <a:ea typeface="Lato" panose="020B0604020202020204" charset="0"/>
+                <a:cs typeface="Lato" panose="020B0604020202020204" charset="0"/>
+              </a:rPr>
+              <a:t>.</a:t>
+            </a:r>
           </a:p>
         </p:txBody>
       </p:sp>
@@ -6314,13 +6236,6 @@
   <p:clrMapOvr>
     <a:masterClrMapping/>
   </p:clrMapOvr>
-  <p:timing>
-    <p:tnLst>
-      <p:par>
-        <p:cTn id="1" dur="indefinite" restart="never" nodeType="tmRoot"/>
-      </p:par>
-    </p:tnLst>
-  </p:timing>
 </p:sld>
 </file>
 
@@ -6368,7 +6283,7 @@
               </a:lnSpc>
             </a:pPr>
             <a:r>
-              <a:rPr lang="en-US" sz="5000" spc="300" dirty="0" err="1" smtClean="0">
+              <a:rPr lang="en-US" sz="5000" spc="300" dirty="0" err="1">
                 <a:solidFill>
                   <a:srgbClr val="2B4A9D"/>
                 </a:solidFill>
@@ -6377,7 +6292,7 @@
               <a:t>Passo</a:t>
             </a:r>
             <a:r>
-              <a:rPr lang="en-US" sz="5000" spc="300" dirty="0" smtClean="0">
+              <a:rPr lang="en-US" sz="5000" spc="300" dirty="0">
                 <a:solidFill>
                   <a:srgbClr val="2B4A9D"/>
                 </a:solidFill>
@@ -6386,7 +6301,7 @@
               <a:t> 02 – </a:t>
             </a:r>
             <a:r>
-              <a:rPr lang="en-US" sz="5000" spc="300" dirty="0" err="1" smtClean="0">
+              <a:rPr lang="en-US" sz="5000" spc="300" dirty="0" err="1">
                 <a:solidFill>
                   <a:srgbClr val="2B4A9D"/>
                 </a:solidFill>
@@ -6395,7 +6310,7 @@
               <a:t>Adicione</a:t>
             </a:r>
             <a:r>
-              <a:rPr lang="en-US" sz="5000" spc="300" dirty="0" smtClean="0">
+              <a:rPr lang="en-US" sz="5000" spc="300" dirty="0">
                 <a:solidFill>
                   <a:srgbClr val="2B4A9D"/>
                 </a:solidFill>
@@ -6403,12 +6318,6 @@
               </a:rPr>
               <a:t> um Drawer</a:t>
             </a:r>
-            <a:endParaRPr lang="en-US" sz="5000" spc="300" dirty="0">
-              <a:solidFill>
-                <a:srgbClr val="2B4A9D"/>
-              </a:solidFill>
-              <a:latin typeface="Poppins Ultra-Bold"/>
-            </a:endParaRPr>
           </a:p>
         </p:txBody>
       </p:sp>
@@ -6465,6 +6374,13 @@
               <a:srgbClr val="2B4A9D"/>
             </a:solidFill>
           </p:spPr>
+          <p:txBody>
+            <a:bodyPr/>
+            <a:lstStyle/>
+            <a:p>
+              <a:endParaRPr lang="pt-BR"/>
+            </a:p>
+          </p:txBody>
         </p:sp>
       </p:grpSp>
       <p:sp>
@@ -6496,7 +6412,7 @@
               <a:buChar char="•"/>
             </a:pPr>
             <a:r>
-              <a:rPr lang="en-US" sz="3399" spc="339" dirty="0" smtClean="0">
+              <a:rPr lang="en-US" sz="3399" spc="339" dirty="0">
                 <a:solidFill>
                   <a:srgbClr val="000000"/>
                 </a:solidFill>
@@ -6507,7 +6423,7 @@
               <a:t>O widget Drawer é </a:t>
             </a:r>
             <a:r>
-              <a:rPr lang="en-US" sz="3399" spc="339" dirty="0" err="1" smtClean="0">
+              <a:rPr lang="en-US" sz="3399" spc="339" dirty="0" err="1">
                 <a:solidFill>
                   <a:srgbClr val="000000"/>
                 </a:solidFill>
@@ -6518,7 +6434,7 @@
               <a:t>utilizado</a:t>
             </a:r>
             <a:r>
-              <a:rPr lang="en-US" sz="3399" spc="339" dirty="0" smtClean="0">
+              <a:rPr lang="en-US" sz="3399" spc="339" dirty="0">
                 <a:solidFill>
                   <a:srgbClr val="000000"/>
                 </a:solidFill>
@@ -6529,7 +6445,7 @@
               <a:t> para </a:t>
             </a:r>
             <a:r>
-              <a:rPr lang="en-US" sz="3399" spc="339" dirty="0" err="1" smtClean="0">
+              <a:rPr lang="en-US" sz="3399" spc="339" dirty="0" err="1">
                 <a:solidFill>
                   <a:srgbClr val="000000"/>
                 </a:solidFill>
@@ -6540,7 +6456,7 @@
               <a:t>exibir</a:t>
             </a:r>
             <a:r>
-              <a:rPr lang="en-US" sz="3399" spc="339" dirty="0" smtClean="0">
+              <a:rPr lang="en-US" sz="3399" spc="339" dirty="0">
                 <a:solidFill>
                   <a:srgbClr val="000000"/>
                 </a:solidFill>
@@ -6551,7 +6467,7 @@
               <a:t> um menu de </a:t>
             </a:r>
             <a:r>
-              <a:rPr lang="en-US" sz="3399" spc="339" dirty="0" err="1" smtClean="0">
+              <a:rPr lang="en-US" sz="3399" spc="339" dirty="0" err="1">
                 <a:solidFill>
                   <a:srgbClr val="000000"/>
                 </a:solidFill>
@@ -6562,7 +6478,7 @@
               <a:t>navegação</a:t>
             </a:r>
             <a:r>
-              <a:rPr lang="en-US" sz="3399" spc="339" dirty="0" smtClean="0">
+              <a:rPr lang="en-US" sz="3399" spc="339" dirty="0">
                 <a:solidFill>
                   <a:srgbClr val="000000"/>
                 </a:solidFill>
@@ -6599,7 +6515,7 @@
               <a:buChar char="•"/>
             </a:pPr>
             <a:r>
-              <a:rPr lang="en-US" sz="3399" spc="339" dirty="0" err="1" smtClean="0">
+              <a:rPr lang="en-US" sz="3399" spc="339" dirty="0" err="1">
                 <a:solidFill>
                   <a:srgbClr val="000000"/>
                 </a:solidFill>
@@ -6610,7 +6526,7 @@
               <a:t>Geralmente</a:t>
             </a:r>
             <a:r>
-              <a:rPr lang="en-US" sz="3399" spc="339" dirty="0" smtClean="0">
+              <a:rPr lang="en-US" sz="3399" spc="339" dirty="0">
                 <a:solidFill>
                   <a:srgbClr val="000000"/>
                 </a:solidFill>
@@ -6621,7 +6537,7 @@
               <a:t> o Drawer é </a:t>
             </a:r>
             <a:r>
-              <a:rPr lang="en-US" sz="3399" spc="339" dirty="0" err="1" smtClean="0">
+              <a:rPr lang="en-US" sz="3399" spc="339" dirty="0" err="1">
                 <a:solidFill>
                   <a:srgbClr val="000000"/>
                 </a:solidFill>
@@ -6632,7 +6548,7 @@
               <a:t>colocado</a:t>
             </a:r>
             <a:r>
-              <a:rPr lang="en-US" sz="3399" spc="339" dirty="0" smtClean="0">
+              <a:rPr lang="en-US" sz="3399" spc="339" dirty="0">
                 <a:solidFill>
                   <a:srgbClr val="000000"/>
                 </a:solidFill>
@@ -6643,7 +6559,7 @@
               <a:t> </a:t>
             </a:r>
             <a:r>
-              <a:rPr lang="en-US" sz="3399" spc="339" dirty="0" err="1" smtClean="0">
+              <a:rPr lang="en-US" sz="3399" spc="339" dirty="0" err="1">
                 <a:solidFill>
                   <a:srgbClr val="000000"/>
                 </a:solidFill>
@@ -6654,7 +6570,7 @@
               <a:t>dentro</a:t>
             </a:r>
             <a:r>
-              <a:rPr lang="en-US" sz="3399" spc="339" dirty="0" smtClean="0">
+              <a:rPr lang="en-US" sz="3399" spc="339" dirty="0">
                 <a:solidFill>
                   <a:srgbClr val="000000"/>
                 </a:solidFill>
@@ -6665,7 +6581,7 @@
               <a:t> de um Scaffold, </a:t>
             </a:r>
             <a:r>
-              <a:rPr lang="en-US" sz="3399" spc="339" dirty="0" err="1" smtClean="0">
+              <a:rPr lang="en-US" sz="3399" spc="339" dirty="0" err="1">
                 <a:solidFill>
                   <a:srgbClr val="000000"/>
                 </a:solidFill>
@@ -6676,7 +6592,7 @@
               <a:t>sendo</a:t>
             </a:r>
             <a:r>
-              <a:rPr lang="en-US" sz="3399" spc="339" dirty="0" smtClean="0">
+              <a:rPr lang="en-US" sz="3399" spc="339" dirty="0">
                 <a:solidFill>
                   <a:srgbClr val="000000"/>
                 </a:solidFill>
@@ -6687,7 +6603,7 @@
               <a:t> </a:t>
             </a:r>
             <a:r>
-              <a:rPr lang="en-US" sz="3399" spc="339" dirty="0" err="1" smtClean="0">
+              <a:rPr lang="en-US" sz="3399" spc="339" dirty="0" err="1">
                 <a:solidFill>
                   <a:srgbClr val="000000"/>
                 </a:solidFill>
@@ -6698,7 +6614,7 @@
               <a:t>acessado</a:t>
             </a:r>
             <a:r>
-              <a:rPr lang="en-US" sz="3399" spc="339" dirty="0" smtClean="0">
+              <a:rPr lang="en-US" sz="3399" spc="339" dirty="0">
                 <a:solidFill>
                   <a:srgbClr val="000000"/>
                 </a:solidFill>
@@ -6709,7 +6625,7 @@
               <a:t> </a:t>
             </a:r>
             <a:r>
-              <a:rPr lang="en-US" sz="3399" spc="339" dirty="0" err="1" smtClean="0">
+              <a:rPr lang="en-US" sz="3399" spc="339" dirty="0" err="1">
                 <a:solidFill>
                   <a:srgbClr val="000000"/>
                 </a:solidFill>
@@ -6720,7 +6636,7 @@
               <a:t>através</a:t>
             </a:r>
             <a:r>
-              <a:rPr lang="en-US" sz="3399" spc="339" dirty="0" smtClean="0">
+              <a:rPr lang="en-US" sz="3399" spc="339" dirty="0">
                 <a:solidFill>
                   <a:srgbClr val="000000"/>
                 </a:solidFill>
@@ -6731,7 +6647,7 @@
               <a:t> da </a:t>
             </a:r>
             <a:r>
-              <a:rPr lang="en-US" sz="3399" spc="339" dirty="0" err="1" smtClean="0">
+              <a:rPr lang="en-US" sz="3399" spc="339" dirty="0" err="1">
                 <a:solidFill>
                   <a:srgbClr val="000000"/>
                 </a:solidFill>
@@ -6742,37 +6658,15 @@
               <a:t>propriedade</a:t>
             </a:r>
             <a:r>
-              <a:rPr lang="en-US" sz="3399" spc="339" dirty="0" smtClean="0">
-                <a:solidFill>
-                  <a:srgbClr val="000000"/>
-                </a:solidFill>
-                <a:latin typeface="Lato" panose="020B0604020202020204" charset="0"/>
-                <a:ea typeface="Lato" panose="020B0604020202020204" charset="0"/>
-                <a:cs typeface="Lato" panose="020B0604020202020204" charset="0"/>
-              </a:rPr>
-              <a:t> drawer do </a:t>
-            </a:r>
-            <a:r>
-              <a:rPr lang="en-US" sz="3399" spc="339" dirty="0" err="1" smtClean="0">
-                <a:solidFill>
-                  <a:srgbClr val="000000"/>
-                </a:solidFill>
-                <a:latin typeface="Lato" panose="020B0604020202020204" charset="0"/>
-                <a:ea typeface="Lato" panose="020B0604020202020204" charset="0"/>
-                <a:cs typeface="Lato" panose="020B0604020202020204" charset="0"/>
-              </a:rPr>
-              <a:t>Sacffold</a:t>
-            </a:r>
-            <a:r>
-              <a:rPr lang="en-US" sz="3399" spc="339" dirty="0" smtClean="0">
-                <a:solidFill>
-                  <a:srgbClr val="000000"/>
-                </a:solidFill>
-                <a:latin typeface="Lato" panose="020B0604020202020204" charset="0"/>
-                <a:ea typeface="Lato" panose="020B0604020202020204" charset="0"/>
-                <a:cs typeface="Lato" panose="020B0604020202020204" charset="0"/>
-              </a:rPr>
-              <a:t>;</a:t>
+              <a:rPr lang="en-US" sz="3399" spc="339" dirty="0">
+                <a:solidFill>
+                  <a:srgbClr val="000000"/>
+                </a:solidFill>
+                <a:latin typeface="Lato" panose="020B0604020202020204" charset="0"/>
+                <a:ea typeface="Lato" panose="020B0604020202020204" charset="0"/>
+                <a:cs typeface="Lato" panose="020B0604020202020204" charset="0"/>
+              </a:rPr>
+              <a:t> drawer do Scaffold;</a:t>
             </a:r>
           </a:p>
           <a:p>
@@ -6801,7 +6695,7 @@
               <a:buChar char="•"/>
             </a:pPr>
             <a:r>
-              <a:rPr lang="en-US" sz="3399" spc="339" dirty="0" err="1" smtClean="0">
+              <a:rPr lang="en-US" sz="3399" spc="339" dirty="0" err="1">
                 <a:solidFill>
                   <a:srgbClr val="000000"/>
                 </a:solidFill>
@@ -6812,7 +6706,7 @@
               <a:t>Assim</a:t>
             </a:r>
             <a:r>
-              <a:rPr lang="en-US" sz="3399" spc="339" dirty="0" smtClean="0">
+              <a:rPr lang="en-US" sz="3399" spc="339" dirty="0">
                 <a:solidFill>
                   <a:srgbClr val="000000"/>
                 </a:solidFill>
@@ -6823,7 +6717,7 @@
               <a:t>, o </a:t>
             </a:r>
             <a:r>
-              <a:rPr lang="en-US" sz="3399" spc="339" dirty="0" err="1" smtClean="0">
+              <a:rPr lang="en-US" sz="3399" spc="339" dirty="0" err="1">
                 <a:solidFill>
                   <a:srgbClr val="000000"/>
                 </a:solidFill>
@@ -6834,7 +6728,7 @@
               <a:t>usuário</a:t>
             </a:r>
             <a:r>
-              <a:rPr lang="en-US" sz="3399" spc="339" dirty="0" smtClean="0">
+              <a:rPr lang="en-US" sz="3399" spc="339" dirty="0">
                 <a:solidFill>
                   <a:srgbClr val="000000"/>
                 </a:solidFill>
@@ -6845,7 +6739,7 @@
               <a:t> </a:t>
             </a:r>
             <a:r>
-              <a:rPr lang="en-US" sz="3399" spc="339" dirty="0" err="1" smtClean="0">
+              <a:rPr lang="en-US" sz="3399" spc="339" dirty="0" err="1">
                 <a:solidFill>
                   <a:srgbClr val="000000"/>
                 </a:solidFill>
@@ -6856,7 +6750,7 @@
               <a:t>pode</a:t>
             </a:r>
             <a:r>
-              <a:rPr lang="en-US" sz="3399" spc="339" dirty="0" smtClean="0">
+              <a:rPr lang="en-US" sz="3399" spc="339" dirty="0">
                 <a:solidFill>
                   <a:srgbClr val="000000"/>
                 </a:solidFill>
@@ -6867,7 +6761,7 @@
               <a:t> </a:t>
             </a:r>
             <a:r>
-              <a:rPr lang="en-US" sz="3399" spc="339" dirty="0" err="1" smtClean="0">
+              <a:rPr lang="en-US" sz="3399" spc="339" dirty="0" err="1">
                 <a:solidFill>
                   <a:srgbClr val="000000"/>
                 </a:solidFill>
@@ -6878,7 +6772,7 @@
               <a:t>ter</a:t>
             </a:r>
             <a:r>
-              <a:rPr lang="en-US" sz="3399" spc="339" dirty="0" smtClean="0">
+              <a:rPr lang="en-US" sz="3399" spc="339" dirty="0">
                 <a:solidFill>
                   <a:srgbClr val="000000"/>
                 </a:solidFill>
@@ -6889,7 +6783,7 @@
               <a:t> </a:t>
             </a:r>
             <a:r>
-              <a:rPr lang="en-US" sz="3399" spc="339" dirty="0" err="1" smtClean="0">
+              <a:rPr lang="en-US" sz="3399" spc="339" dirty="0" err="1">
                 <a:solidFill>
                   <a:srgbClr val="000000"/>
                 </a:solidFill>
@@ -6900,7 +6794,7 @@
               <a:t>acesso</a:t>
             </a:r>
             <a:r>
-              <a:rPr lang="en-US" sz="3399" spc="339" dirty="0" smtClean="0">
+              <a:rPr lang="en-US" sz="3399" spc="339" dirty="0">
                 <a:solidFill>
                   <a:srgbClr val="000000"/>
                 </a:solidFill>
@@ -6911,7 +6805,7 @@
               <a:t> as </a:t>
             </a:r>
             <a:r>
-              <a:rPr lang="en-US" sz="3399" spc="339" dirty="0" err="1" smtClean="0">
+              <a:rPr lang="en-US" sz="3399" spc="339" dirty="0" err="1">
                 <a:solidFill>
                   <a:srgbClr val="000000"/>
                 </a:solidFill>
@@ -6922,7 +6816,7 @@
               <a:t>opções</a:t>
             </a:r>
             <a:r>
-              <a:rPr lang="en-US" sz="3399" spc="339" dirty="0" smtClean="0">
+              <a:rPr lang="en-US" sz="3399" spc="339" dirty="0">
                 <a:solidFill>
                   <a:srgbClr val="000000"/>
                 </a:solidFill>
@@ -6933,7 +6827,7 @@
               <a:t> de </a:t>
             </a:r>
             <a:r>
-              <a:rPr lang="en-US" sz="3399" spc="339" dirty="0" err="1" smtClean="0">
+              <a:rPr lang="en-US" sz="3399" spc="339" dirty="0" err="1">
                 <a:solidFill>
                   <a:srgbClr val="000000"/>
                 </a:solidFill>
@@ -6944,7 +6838,7 @@
               <a:t>navegação</a:t>
             </a:r>
             <a:r>
-              <a:rPr lang="en-US" sz="3399" spc="339" dirty="0" smtClean="0">
+              <a:rPr lang="en-US" sz="3399" spc="339" dirty="0">
                 <a:solidFill>
                   <a:srgbClr val="000000"/>
                 </a:solidFill>
@@ -6954,14 +6848,6 @@
               </a:rPr>
               <a:t>.</a:t>
             </a:r>
-            <a:endParaRPr lang="en-US" sz="3399" spc="339" dirty="0">
-              <a:solidFill>
-                <a:srgbClr val="000000"/>
-              </a:solidFill>
-              <a:latin typeface="Lato" panose="020B0604020202020204" charset="0"/>
-              <a:ea typeface="Lato" panose="020B0604020202020204" charset="0"/>
-              <a:cs typeface="Lato" panose="020B0604020202020204" charset="0"/>
-            </a:endParaRPr>
           </a:p>
         </p:txBody>
       </p:sp>
@@ -6989,7 +6875,7 @@
           <a:p>
             <a:pPr algn="ctr"/>
             <a:r>
-              <a:rPr lang="pt-BR" sz="2400" dirty="0" smtClean="0">
+              <a:rPr lang="pt-BR" sz="2400" dirty="0">
                 <a:latin typeface="Lato" panose="020B0604020202020204" charset="0"/>
                 <a:ea typeface="Lato" panose="020B0604020202020204" charset="0"/>
                 <a:cs typeface="Lato" panose="020B0604020202020204" charset="0"/>
@@ -6997,69 +6883,46 @@
               <a:t>Figura 02 – Uso do </a:t>
             </a:r>
             <a:r>
-              <a:rPr lang="pt-BR" sz="2400" dirty="0" err="1" smtClean="0">
+              <a:rPr lang="pt-BR" sz="2400" dirty="0" err="1">
                 <a:latin typeface="Lato" panose="020B0604020202020204" charset="0"/>
                 <a:ea typeface="Lato" panose="020B0604020202020204" charset="0"/>
                 <a:cs typeface="Lato" panose="020B0604020202020204" charset="0"/>
               </a:rPr>
               <a:t>Drawer</a:t>
-            </a:r>
-            <a:endParaRPr lang="pt-BR" sz="2400" dirty="0" smtClean="0">
-              <a:latin typeface="Lato" panose="020B0604020202020204" charset="0"/>
-              <a:ea typeface="Lato" panose="020B0604020202020204" charset="0"/>
-              <a:cs typeface="Lato" panose="020B0604020202020204" charset="0"/>
-            </a:endParaRPr>
-          </a:p>
-          <a:p>
-            <a:pPr algn="ctr"/>
-            <a:r>
-              <a:rPr lang="pt-BR" sz="2400" dirty="0">
-                <a:latin typeface="Lato" panose="020B0604020202020204" charset="0"/>
-                <a:ea typeface="Lato" panose="020B0604020202020204" charset="0"/>
-                <a:cs typeface="Lato" panose="020B0604020202020204" charset="0"/>
-              </a:rPr>
-              <a:t>Fonte: </a:t>
-            </a:r>
-            <a:r>
-              <a:rPr lang="pt-BR" sz="2400" dirty="0" smtClean="0">
-                <a:latin typeface="Lato" panose="020B0604020202020204" charset="0"/>
-                <a:ea typeface="Lato" panose="020B0604020202020204" charset="0"/>
-                <a:cs typeface="Lato" panose="020B0604020202020204" charset="0"/>
-                <a:hlinkClick r:id="rId2"/>
-              </a:rPr>
-              <a:t>https</a:t>
-            </a:r>
-            <a:r>
-              <a:rPr lang="pt-BR" sz="2400" dirty="0">
-                <a:latin typeface="Lato" panose="020B0604020202020204" charset="0"/>
-                <a:ea typeface="Lato" panose="020B0604020202020204" charset="0"/>
-                <a:cs typeface="Lato" panose="020B0604020202020204" charset="0"/>
-                <a:hlinkClick r:id="rId2"/>
-              </a:rPr>
-              <a:t>://</a:t>
-            </a:r>
-            <a:r>
-              <a:rPr lang="pt-BR" sz="2400" dirty="0" smtClean="0">
-                <a:latin typeface="Lato" panose="020B0604020202020204" charset="0"/>
-                <a:ea typeface="Lato" panose="020B0604020202020204" charset="0"/>
-                <a:cs typeface="Lato" panose="020B0604020202020204" charset="0"/>
-                <a:hlinkClick r:id="rId2"/>
-              </a:rPr>
-              <a:t>docs.flutter.dev/cookbook/design/drawer</a:t>
-            </a:r>
-            <a:r>
-              <a:rPr lang="pt-BR" sz="2400" dirty="0" smtClean="0">
-                <a:latin typeface="Lato" panose="020B0604020202020204" charset="0"/>
-                <a:ea typeface="Lato" panose="020B0604020202020204" charset="0"/>
-                <a:cs typeface="Lato" panose="020B0604020202020204" charset="0"/>
-              </a:rPr>
-              <a:t>.</a:t>
             </a:r>
             <a:endParaRPr lang="pt-BR" sz="2400" dirty="0">
               <a:latin typeface="Lato" panose="020B0604020202020204" charset="0"/>
               <a:ea typeface="Lato" panose="020B0604020202020204" charset="0"/>
               <a:cs typeface="Lato" panose="020B0604020202020204" charset="0"/>
             </a:endParaRPr>
+          </a:p>
+          <a:p>
+            <a:pPr algn="ctr"/>
+            <a:r>
+              <a:rPr lang="pt-BR" sz="2400" dirty="0">
+                <a:latin typeface="Lato" panose="020B0604020202020204" charset="0"/>
+                <a:ea typeface="Lato" panose="020B0604020202020204" charset="0"/>
+                <a:cs typeface="Lato" panose="020B0604020202020204" charset="0"/>
+              </a:rPr>
+              <a:t>Fonte: </a:t>
+            </a:r>
+            <a:r>
+              <a:rPr lang="pt-BR" sz="2400" dirty="0">
+                <a:latin typeface="Lato" panose="020B0604020202020204" charset="0"/>
+                <a:ea typeface="Lato" panose="020B0604020202020204" charset="0"/>
+                <a:cs typeface="Lato" panose="020B0604020202020204" charset="0"/>
+                <a:hlinkClick r:id="rId2"/>
+              </a:rPr>
+              <a:t>https://docs.flutter.dev/cookbook/design/drawer</a:t>
+            </a:r>
+            <a:r>
+              <a:rPr lang="pt-BR" sz="2400" dirty="0">
+                <a:latin typeface="Lato" panose="020B0604020202020204" charset="0"/>
+                <a:ea typeface="Lato" panose="020B0604020202020204" charset="0"/>
+                <a:cs typeface="Lato" panose="020B0604020202020204" charset="0"/>
+              </a:rPr>
+              <a:t>.</a:t>
+            </a:r>
           </a:p>
         </p:txBody>
       </p:sp>
@@ -7103,13 +6966,6 @@
   <p:clrMapOvr>
     <a:masterClrMapping/>
   </p:clrMapOvr>
-  <p:timing>
-    <p:tnLst>
-      <p:par>
-        <p:cTn id="1" dur="indefinite" restart="never" nodeType="tmRoot"/>
-      </p:par>
-    </p:tnLst>
-  </p:timing>
 </p:sld>
 </file>
 
@@ -7157,7 +7013,7 @@
               </a:lnSpc>
             </a:pPr>
             <a:r>
-              <a:rPr lang="en-US" sz="5000" spc="300" dirty="0" err="1" smtClean="0">
+              <a:rPr lang="en-US" sz="5000" spc="300" dirty="0" err="1">
                 <a:solidFill>
                   <a:srgbClr val="2B4A9D"/>
                 </a:solidFill>
@@ -7166,7 +7022,7 @@
               <a:t>Passo</a:t>
             </a:r>
             <a:r>
-              <a:rPr lang="en-US" sz="5000" spc="300" dirty="0" smtClean="0">
+              <a:rPr lang="en-US" sz="5000" spc="300" dirty="0">
                 <a:solidFill>
                   <a:srgbClr val="2B4A9D"/>
                 </a:solidFill>
@@ -7175,7 +7031,7 @@
               <a:t> 03 – </a:t>
             </a:r>
             <a:r>
-              <a:rPr lang="en-US" sz="5000" spc="300" dirty="0" err="1" smtClean="0">
+              <a:rPr lang="en-US" sz="5000" spc="300" dirty="0" err="1">
                 <a:solidFill>
                   <a:srgbClr val="2B4A9D"/>
                 </a:solidFill>
@@ -7184,7 +7040,7 @@
               <a:t>Preencha</a:t>
             </a:r>
             <a:r>
-              <a:rPr lang="en-US" sz="5000" spc="300" dirty="0" smtClean="0">
+              <a:rPr lang="en-US" sz="5000" spc="300" dirty="0">
                 <a:solidFill>
                   <a:srgbClr val="2B4A9D"/>
                 </a:solidFill>
@@ -7193,7 +7049,7 @@
               <a:t> o Drawer com </a:t>
             </a:r>
             <a:r>
-              <a:rPr lang="en-US" sz="5000" spc="300" dirty="0" err="1" smtClean="0">
+              <a:rPr lang="en-US" sz="5000" spc="300" dirty="0" err="1">
                 <a:solidFill>
                   <a:srgbClr val="2B4A9D"/>
                 </a:solidFill>
@@ -7263,6 +7119,13 @@
               <a:srgbClr val="2B4A9D"/>
             </a:solidFill>
           </p:spPr>
+          <p:txBody>
+            <a:bodyPr/>
+            <a:lstStyle/>
+            <a:p>
+              <a:endParaRPr lang="pt-BR"/>
+            </a:p>
+          </p:txBody>
         </p:sp>
       </p:grpSp>
       <p:sp>
@@ -7274,7 +7137,7 @@
         <p:spPr>
           <a:xfrm>
             <a:off x="280554" y="2095158"/>
-            <a:ext cx="9448800" cy="7386638"/>
+            <a:ext cx="9448800" cy="6710042"/>
           </a:xfrm>
           <a:prstGeom prst="rect">
             <a:avLst/>
@@ -7294,7 +7157,7 @@
               <a:buChar char="•"/>
             </a:pPr>
             <a:r>
-              <a:rPr lang="en-US" sz="3399" spc="339" dirty="0" smtClean="0">
+              <a:rPr lang="en-US" sz="3399" spc="339" dirty="0">
                 <a:solidFill>
                   <a:srgbClr val="000000"/>
                 </a:solidFill>
@@ -7305,7 +7168,7 @@
               <a:t>Agora </a:t>
             </a:r>
             <a:r>
-              <a:rPr lang="en-US" sz="3399" spc="339" dirty="0" err="1" smtClean="0">
+              <a:rPr lang="en-US" sz="3399" spc="339" dirty="0" err="1">
                 <a:solidFill>
                   <a:srgbClr val="000000"/>
                 </a:solidFill>
@@ -7316,7 +7179,7 @@
               <a:t>que</a:t>
             </a:r>
             <a:r>
-              <a:rPr lang="en-US" sz="3399" spc="339" dirty="0" smtClean="0">
+              <a:rPr lang="en-US" sz="3399" spc="339" dirty="0">
                 <a:solidFill>
                   <a:srgbClr val="000000"/>
                 </a:solidFill>
@@ -7327,7 +7190,7 @@
               <a:t> o Drawer </a:t>
             </a:r>
             <a:r>
-              <a:rPr lang="en-US" sz="3399" spc="339" dirty="0" err="1" smtClean="0">
+              <a:rPr lang="en-US" sz="3399" spc="339" dirty="0" err="1">
                 <a:solidFill>
                   <a:srgbClr val="000000"/>
                 </a:solidFill>
@@ -7338,7 +7201,7 @@
               <a:t>foi</a:t>
             </a:r>
             <a:r>
-              <a:rPr lang="en-US" sz="3399" spc="339" dirty="0" smtClean="0">
+              <a:rPr lang="en-US" sz="3399" spc="339" dirty="0">
                 <a:solidFill>
                   <a:srgbClr val="000000"/>
                 </a:solidFill>
@@ -7349,7 +7212,7 @@
               <a:t> </a:t>
             </a:r>
             <a:r>
-              <a:rPr lang="en-US" sz="3399" spc="339" dirty="0" err="1" smtClean="0">
+              <a:rPr lang="en-US" sz="3399" spc="339" dirty="0" err="1">
                 <a:solidFill>
                   <a:srgbClr val="000000"/>
                 </a:solidFill>
@@ -7360,7 +7223,7 @@
               <a:t>criado</a:t>
             </a:r>
             <a:r>
-              <a:rPr lang="en-US" sz="3399" spc="339" dirty="0" smtClean="0">
+              <a:rPr lang="en-US" sz="3399" spc="339" dirty="0">
                 <a:solidFill>
                   <a:srgbClr val="000000"/>
                 </a:solidFill>
@@ -7371,7 +7234,7 @@
               <a:t>, é </a:t>
             </a:r>
             <a:r>
-              <a:rPr lang="en-US" sz="3399" spc="339" dirty="0" err="1" smtClean="0">
+              <a:rPr lang="en-US" sz="3399" spc="339" dirty="0" err="1">
                 <a:solidFill>
                   <a:srgbClr val="000000"/>
                 </a:solidFill>
@@ -7382,7 +7245,7 @@
               <a:t>importante</a:t>
             </a:r>
             <a:r>
-              <a:rPr lang="en-US" sz="3399" spc="339" dirty="0" smtClean="0">
+              <a:rPr lang="en-US" sz="3399" spc="339" dirty="0">
                 <a:solidFill>
                   <a:srgbClr val="000000"/>
                 </a:solidFill>
@@ -7393,7 +7256,7 @@
               <a:t> </a:t>
             </a:r>
             <a:r>
-              <a:rPr lang="en-US" sz="3399" spc="339" dirty="0" err="1" smtClean="0">
+              <a:rPr lang="en-US" sz="3399" spc="339" dirty="0" err="1">
                 <a:solidFill>
                   <a:srgbClr val="000000"/>
                 </a:solidFill>
@@ -7404,7 +7267,7 @@
               <a:t>adicionar</a:t>
             </a:r>
             <a:r>
-              <a:rPr lang="en-US" sz="3399" spc="339" dirty="0" smtClean="0">
+              <a:rPr lang="en-US" sz="3399" spc="339" dirty="0">
                 <a:solidFill>
                   <a:srgbClr val="000000"/>
                 </a:solidFill>
@@ -7415,7 +7278,7 @@
               <a:t> </a:t>
             </a:r>
             <a:r>
-              <a:rPr lang="en-US" sz="3399" spc="339" dirty="0" err="1" smtClean="0">
+              <a:rPr lang="en-US" sz="3399" spc="339" dirty="0" err="1">
                 <a:solidFill>
                   <a:srgbClr val="000000"/>
                 </a:solidFill>
@@ -7426,7 +7289,7 @@
               <a:t>conteúdos</a:t>
             </a:r>
             <a:r>
-              <a:rPr lang="en-US" sz="3399" spc="339" dirty="0" smtClean="0">
+              <a:rPr lang="en-US" sz="3399" spc="339" dirty="0">
                 <a:solidFill>
                   <a:srgbClr val="000000"/>
                 </a:solidFill>
@@ -7437,7 +7300,7 @@
               <a:t> a </a:t>
             </a:r>
             <a:r>
-              <a:rPr lang="en-US" sz="3399" spc="339" dirty="0" err="1" smtClean="0">
+              <a:rPr lang="en-US" sz="3399" spc="339" dirty="0" err="1">
                 <a:solidFill>
                   <a:srgbClr val="000000"/>
                 </a:solidFill>
@@ -7448,7 +7311,7 @@
               <a:t>ele</a:t>
             </a:r>
             <a:r>
-              <a:rPr lang="en-US" sz="3399" spc="339" dirty="0" smtClean="0">
+              <a:rPr lang="en-US" sz="3399" spc="339" dirty="0">
                 <a:solidFill>
                   <a:srgbClr val="000000"/>
                 </a:solidFill>
@@ -7485,7 +7348,7 @@
               <a:buChar char="•"/>
             </a:pPr>
             <a:r>
-              <a:rPr lang="en-US" sz="3399" spc="339" dirty="0" smtClean="0">
+              <a:rPr lang="en-US" sz="3399" spc="339" dirty="0">
                 <a:solidFill>
                   <a:srgbClr val="000000"/>
                 </a:solidFill>
@@ -7496,7 +7359,7 @@
               <a:t>O </a:t>
             </a:r>
             <a:r>
-              <a:rPr lang="en-US" sz="3399" spc="339" dirty="0" err="1" smtClean="0">
+              <a:rPr lang="en-US" sz="3399" spc="339" dirty="0" err="1">
                 <a:solidFill>
                   <a:srgbClr val="000000"/>
                 </a:solidFill>
@@ -7507,7 +7370,7 @@
               <a:t>exemplo</a:t>
             </a:r>
             <a:r>
-              <a:rPr lang="en-US" sz="3399" spc="339" dirty="0" smtClean="0">
+              <a:rPr lang="en-US" sz="3399" spc="339" dirty="0">
                 <a:solidFill>
                   <a:srgbClr val="000000"/>
                 </a:solidFill>
@@ -7518,7 +7381,7 @@
               <a:t> </a:t>
             </a:r>
             <a:r>
-              <a:rPr lang="en-US" sz="3399" spc="339" dirty="0" err="1" smtClean="0">
+              <a:rPr lang="en-US" sz="3399" spc="339" dirty="0" err="1">
                 <a:solidFill>
                   <a:srgbClr val="000000"/>
                 </a:solidFill>
@@ -7529,7 +7392,7 @@
               <a:t>ao</a:t>
             </a:r>
             <a:r>
-              <a:rPr lang="en-US" sz="3399" spc="339" dirty="0" smtClean="0">
+              <a:rPr lang="en-US" sz="3399" spc="339" dirty="0">
                 <a:solidFill>
                   <a:srgbClr val="000000"/>
                 </a:solidFill>
@@ -7540,7 +7403,7 @@
               <a:t> </a:t>
             </a:r>
             <a:r>
-              <a:rPr lang="en-US" sz="3399" spc="339" dirty="0" err="1" smtClean="0">
+              <a:rPr lang="en-US" sz="3399" spc="339" dirty="0" err="1">
                 <a:solidFill>
                   <a:srgbClr val="000000"/>
                 </a:solidFill>
@@ -7551,7 +7414,7 @@
               <a:t>lado</a:t>
             </a:r>
             <a:r>
-              <a:rPr lang="en-US" sz="3399" spc="339" dirty="0" smtClean="0">
+              <a:rPr lang="en-US" sz="3399" spc="339" dirty="0">
                 <a:solidFill>
                   <a:srgbClr val="000000"/>
                 </a:solidFill>
@@ -7562,7 +7425,7 @@
               <a:t> </a:t>
             </a:r>
             <a:r>
-              <a:rPr lang="en-US" sz="3399" spc="339" dirty="0" err="1" smtClean="0">
+              <a:rPr lang="en-US" sz="3399" spc="339" dirty="0" err="1">
                 <a:solidFill>
                   <a:srgbClr val="000000"/>
                 </a:solidFill>
@@ -7573,7 +7436,7 @@
               <a:t>utiliza</a:t>
             </a:r>
             <a:r>
-              <a:rPr lang="en-US" sz="3399" spc="339" dirty="0" smtClean="0">
+              <a:rPr lang="en-US" sz="3399" spc="339" dirty="0">
                 <a:solidFill>
                   <a:srgbClr val="000000"/>
                 </a:solidFill>
@@ -7584,7 +7447,7 @@
               <a:t> o </a:t>
             </a:r>
             <a:r>
-              <a:rPr lang="en-US" sz="3399" spc="339" dirty="0" err="1" smtClean="0">
+              <a:rPr lang="en-US" sz="3399" spc="339" dirty="0" err="1">
                 <a:solidFill>
                   <a:srgbClr val="000000"/>
                 </a:solidFill>
@@ -7595,40 +7458,18 @@
               <a:t>ListView</a:t>
             </a:r>
             <a:r>
-              <a:rPr lang="en-US" sz="3399" spc="339" dirty="0" smtClean="0">
-                <a:solidFill>
-                  <a:srgbClr val="000000"/>
-                </a:solidFill>
-                <a:latin typeface="Lato" panose="020B0604020202020204" charset="0"/>
-                <a:ea typeface="Lato" panose="020B0604020202020204" charset="0"/>
-                <a:cs typeface="Lato" panose="020B0604020202020204" charset="0"/>
-              </a:rPr>
-              <a:t>, o </a:t>
-            </a:r>
-            <a:r>
-              <a:rPr lang="en-US" sz="3399" spc="339" dirty="0" err="1" smtClean="0">
-                <a:solidFill>
-                  <a:srgbClr val="000000"/>
-                </a:solidFill>
-                <a:latin typeface="Lato" panose="020B0604020202020204" charset="0"/>
-                <a:ea typeface="Lato" panose="020B0604020202020204" charset="0"/>
-                <a:cs typeface="Lato" panose="020B0604020202020204" charset="0"/>
-              </a:rPr>
-              <a:t>qual</a:t>
-            </a:r>
-            <a:r>
-              <a:rPr lang="en-US" sz="3399" spc="339" dirty="0" smtClean="0">
-                <a:solidFill>
-                  <a:srgbClr val="000000"/>
-                </a:solidFill>
-                <a:latin typeface="Lato" panose="020B0604020202020204" charset="0"/>
-                <a:ea typeface="Lato" panose="020B0604020202020204" charset="0"/>
-                <a:cs typeface="Lato" panose="020B0604020202020204" charset="0"/>
-              </a:rPr>
-              <a:t> é um widget </a:t>
-            </a:r>
-            <a:r>
-              <a:rPr lang="en-US" sz="3399" spc="339" dirty="0" err="1" smtClean="0">
+              <a:rPr lang="en-US" sz="3399" spc="339" dirty="0">
+                <a:solidFill>
+                  <a:srgbClr val="000000"/>
+                </a:solidFill>
+                <a:latin typeface="Lato" panose="020B0604020202020204" charset="0"/>
+                <a:ea typeface="Lato" panose="020B0604020202020204" charset="0"/>
+                <a:cs typeface="Lato" panose="020B0604020202020204" charset="0"/>
+              </a:rPr>
+              <a:t>, um widget </a:t>
+            </a:r>
+            <a:r>
+              <a:rPr lang="en-US" sz="3399" spc="339" dirty="0" err="1">
                 <a:solidFill>
                   <a:srgbClr val="000000"/>
                 </a:solidFill>
@@ -7639,7 +7480,7 @@
               <a:t>versátil</a:t>
             </a:r>
             <a:r>
-              <a:rPr lang="en-US" sz="3399" spc="339" dirty="0" smtClean="0">
+              <a:rPr lang="en-US" sz="3399" spc="339" dirty="0">
                 <a:solidFill>
                   <a:srgbClr val="000000"/>
                 </a:solidFill>
@@ -7650,7 +7491,7 @@
               <a:t> do Flutter, </a:t>
             </a:r>
             <a:r>
-              <a:rPr lang="en-US" sz="3399" spc="339" dirty="0" err="1" smtClean="0">
+              <a:rPr lang="en-US" sz="3399" spc="339" dirty="0" err="1">
                 <a:solidFill>
                   <a:srgbClr val="000000"/>
                 </a:solidFill>
@@ -7661,7 +7502,7 @@
               <a:t>permitindo</a:t>
             </a:r>
             <a:r>
-              <a:rPr lang="en-US" sz="3399" spc="339" dirty="0" smtClean="0">
+              <a:rPr lang="en-US" sz="3399" spc="339" dirty="0">
                 <a:solidFill>
                   <a:srgbClr val="000000"/>
                 </a:solidFill>
@@ -7672,7 +7513,7 @@
               <a:t> </a:t>
             </a:r>
             <a:r>
-              <a:rPr lang="en-US" sz="3399" spc="339" dirty="0" err="1" smtClean="0">
+              <a:rPr lang="en-US" sz="3399" spc="339" dirty="0" err="1">
                 <a:solidFill>
                   <a:srgbClr val="000000"/>
                 </a:solidFill>
@@ -7683,7 +7524,7 @@
               <a:t>exibir</a:t>
             </a:r>
             <a:r>
-              <a:rPr lang="en-US" sz="3399" spc="339" dirty="0" smtClean="0">
+              <a:rPr lang="en-US" sz="3399" spc="339" dirty="0">
                 <a:solidFill>
                   <a:srgbClr val="000000"/>
                 </a:solidFill>
@@ -7694,7 +7535,7 @@
               <a:t> </a:t>
             </a:r>
             <a:r>
-              <a:rPr lang="en-US" sz="3399" spc="339" dirty="0" err="1" smtClean="0">
+              <a:rPr lang="en-US" sz="3399" spc="339" dirty="0" err="1">
                 <a:solidFill>
                   <a:srgbClr val="000000"/>
                 </a:solidFill>
@@ -7705,7 +7546,7 @@
               <a:t>conteúdos</a:t>
             </a:r>
             <a:r>
-              <a:rPr lang="en-US" sz="3399" spc="339" dirty="0" smtClean="0">
+              <a:rPr lang="en-US" sz="3399" spc="339" dirty="0">
                 <a:solidFill>
                   <a:srgbClr val="000000"/>
                 </a:solidFill>
@@ -7716,7 +7557,7 @@
               <a:t> </a:t>
             </a:r>
             <a:r>
-              <a:rPr lang="en-US" sz="3399" spc="339" dirty="0" err="1" smtClean="0">
+              <a:rPr lang="en-US" sz="3399" spc="339" dirty="0" err="1">
                 <a:solidFill>
                   <a:srgbClr val="000000"/>
                 </a:solidFill>
@@ -7727,7 +7568,7 @@
               <a:t>roláveis</a:t>
             </a:r>
             <a:r>
-              <a:rPr lang="en-US" sz="3399" spc="339" dirty="0" smtClean="0">
+              <a:rPr lang="en-US" sz="3399" spc="339" dirty="0">
                 <a:solidFill>
                   <a:srgbClr val="000000"/>
                 </a:solidFill>
@@ -7738,7 +7579,7 @@
               <a:t> </a:t>
             </a:r>
             <a:r>
-              <a:rPr lang="en-US" sz="3399" spc="339" dirty="0" err="1" smtClean="0">
+              <a:rPr lang="en-US" sz="3399" spc="339" dirty="0" err="1">
                 <a:solidFill>
                   <a:srgbClr val="000000"/>
                 </a:solidFill>
@@ -7749,7 +7590,7 @@
               <a:t>em</a:t>
             </a:r>
             <a:r>
-              <a:rPr lang="en-US" sz="3399" spc="339" dirty="0" smtClean="0">
+              <a:rPr lang="en-US" sz="3399" spc="339" dirty="0">
                 <a:solidFill>
                   <a:srgbClr val="000000"/>
                 </a:solidFill>
@@ -7760,7 +7601,7 @@
               <a:t> um </a:t>
             </a:r>
             <a:r>
-              <a:rPr lang="en-US" sz="3399" spc="339" dirty="0" err="1" smtClean="0">
+              <a:rPr lang="en-US" sz="3399" spc="339" dirty="0" err="1">
                 <a:solidFill>
                   <a:srgbClr val="000000"/>
                 </a:solidFill>
@@ -7771,7 +7612,7 @@
               <a:t>aplicativo</a:t>
             </a:r>
             <a:r>
-              <a:rPr lang="en-US" sz="3399" spc="339" dirty="0" smtClean="0">
+              <a:rPr lang="en-US" sz="3399" spc="339" dirty="0">
                 <a:solidFill>
                   <a:srgbClr val="000000"/>
                 </a:solidFill>
@@ -7808,7 +7649,7 @@
               <a:buChar char="•"/>
             </a:pPr>
             <a:r>
-              <a:rPr lang="en-US" sz="3399" spc="339" dirty="0" smtClean="0">
+              <a:rPr lang="en-US" sz="3399" spc="339" dirty="0">
                 <a:solidFill>
                   <a:srgbClr val="000000"/>
                 </a:solidFill>
@@ -7819,7 +7660,7 @@
               <a:t>Para </a:t>
             </a:r>
             <a:r>
-              <a:rPr lang="en-US" sz="3399" spc="339" dirty="0" err="1" smtClean="0">
+              <a:rPr lang="en-US" sz="3399" spc="339" dirty="0" err="1">
                 <a:solidFill>
                   <a:srgbClr val="000000"/>
                 </a:solidFill>
@@ -7830,7 +7671,7 @@
               <a:t>preencher</a:t>
             </a:r>
             <a:r>
-              <a:rPr lang="en-US" sz="3399" spc="339" dirty="0" smtClean="0">
+              <a:rPr lang="en-US" sz="3399" spc="339" dirty="0">
                 <a:solidFill>
                   <a:srgbClr val="000000"/>
                 </a:solidFill>
@@ -7841,7 +7682,7 @@
               <a:t> um </a:t>
             </a:r>
             <a:r>
-              <a:rPr lang="en-US" sz="3399" spc="339" dirty="0" err="1" smtClean="0">
+              <a:rPr lang="en-US" sz="3399" spc="339" dirty="0" err="1">
                 <a:solidFill>
                   <a:srgbClr val="000000"/>
                 </a:solidFill>
@@ -7852,29 +7693,51 @@
               <a:t>ListView</a:t>
             </a:r>
             <a:r>
-              <a:rPr lang="en-US" sz="3399" spc="339" dirty="0" smtClean="0">
-                <a:solidFill>
-                  <a:srgbClr val="000000"/>
-                </a:solidFill>
-                <a:latin typeface="Lato" panose="020B0604020202020204" charset="0"/>
-                <a:ea typeface="Lato" panose="020B0604020202020204" charset="0"/>
-                <a:cs typeface="Lato" panose="020B0604020202020204" charset="0"/>
-              </a:rPr>
-              <a:t> é </a:t>
-            </a:r>
-            <a:r>
-              <a:rPr lang="en-US" sz="3399" spc="339" dirty="0" err="1" smtClean="0">
-                <a:solidFill>
-                  <a:srgbClr val="000000"/>
-                </a:solidFill>
-                <a:latin typeface="Lato" panose="020B0604020202020204" charset="0"/>
-                <a:ea typeface="Lato" panose="020B0604020202020204" charset="0"/>
-                <a:cs typeface="Lato" panose="020B0604020202020204" charset="0"/>
-              </a:rPr>
-              <a:t>utilizado</a:t>
-            </a:r>
-            <a:r>
-              <a:rPr lang="en-US" sz="3399" spc="339" dirty="0" smtClean="0">
+              <a:rPr lang="en-US" sz="3399" spc="339" dirty="0">
+                <a:solidFill>
+                  <a:srgbClr val="000000"/>
+                </a:solidFill>
+                <a:latin typeface="Lato" panose="020B0604020202020204" charset="0"/>
+                <a:ea typeface="Lato" panose="020B0604020202020204" charset="0"/>
+                <a:cs typeface="Lato" panose="020B0604020202020204" charset="0"/>
+              </a:rPr>
+              <a:t> </a:t>
+            </a:r>
+            <a:r>
+              <a:rPr lang="en-US" sz="3399" spc="339" dirty="0" err="1">
+                <a:solidFill>
+                  <a:srgbClr val="000000"/>
+                </a:solidFill>
+                <a:latin typeface="Lato" panose="020B0604020202020204" charset="0"/>
+                <a:ea typeface="Lato" panose="020B0604020202020204" charset="0"/>
+                <a:cs typeface="Lato" panose="020B0604020202020204" charset="0"/>
+              </a:rPr>
+              <a:t>são</a:t>
+            </a:r>
+            <a:r>
+              <a:rPr lang="en-US" sz="3399" spc="339" dirty="0">
+                <a:solidFill>
+                  <a:srgbClr val="000000"/>
+                </a:solidFill>
+                <a:latin typeface="Lato" panose="020B0604020202020204" charset="0"/>
+                <a:ea typeface="Lato" panose="020B0604020202020204" charset="0"/>
+                <a:cs typeface="Lato" panose="020B0604020202020204" charset="0"/>
+              </a:rPr>
+              <a:t> </a:t>
+            </a:r>
+            <a:r>
+              <a:rPr lang="en-US" sz="3399" spc="339" dirty="0" err="1">
+                <a:solidFill>
+                  <a:srgbClr val="000000"/>
+                </a:solidFill>
+                <a:latin typeface="Lato" panose="020B0604020202020204" charset="0"/>
+                <a:ea typeface="Lato" panose="020B0604020202020204" charset="0"/>
+                <a:cs typeface="Lato" panose="020B0604020202020204" charset="0"/>
+              </a:rPr>
+              <a:t>utilizados</a:t>
+            </a:r>
+            <a:r>
+              <a:rPr lang="en-US" sz="3399" spc="339" dirty="0">
                 <a:solidFill>
                   <a:srgbClr val="000000"/>
                 </a:solidFill>
@@ -7885,7 +7748,7 @@
               <a:t> o </a:t>
             </a:r>
             <a:r>
-              <a:rPr lang="en-US" sz="3399" spc="339" dirty="0" err="1" smtClean="0">
+              <a:rPr lang="en-US" sz="3399" spc="339" dirty="0" err="1">
                 <a:solidFill>
                   <a:srgbClr val="000000"/>
                 </a:solidFill>
@@ -7896,7 +7759,7 @@
               <a:t>DrawerHeader</a:t>
             </a:r>
             <a:r>
-              <a:rPr lang="en-US" sz="3399" spc="339" dirty="0" smtClean="0">
+              <a:rPr lang="en-US" sz="3399" spc="339" dirty="0">
                 <a:solidFill>
                   <a:srgbClr val="000000"/>
                 </a:solidFill>
@@ -7907,7 +7770,7 @@
               <a:t> e </a:t>
             </a:r>
             <a:r>
-              <a:rPr lang="en-US" sz="3399" spc="339" dirty="0" err="1" smtClean="0">
+              <a:rPr lang="en-US" sz="3399" spc="339" dirty="0" err="1">
                 <a:solidFill>
                   <a:srgbClr val="000000"/>
                 </a:solidFill>
@@ -7918,7 +7781,7 @@
               <a:t>dois</a:t>
             </a:r>
             <a:r>
-              <a:rPr lang="en-US" sz="3399" spc="339" dirty="0" smtClean="0">
+              <a:rPr lang="en-US" sz="3399" spc="339" dirty="0">
                 <a:solidFill>
                   <a:srgbClr val="000000"/>
                 </a:solidFill>
@@ -7929,7 +7792,7 @@
               <a:t> </a:t>
             </a:r>
             <a:r>
-              <a:rPr lang="en-US" sz="3399" spc="339" dirty="0" err="1" smtClean="0">
+              <a:rPr lang="en-US" sz="3399" spc="339" dirty="0" err="1">
                 <a:solidFill>
                   <a:srgbClr val="000000"/>
                 </a:solidFill>
@@ -7940,103 +7803,15 @@
               <a:t>ListTile</a:t>
             </a:r>
             <a:r>
-              <a:rPr lang="en-US" sz="3399" spc="339" dirty="0" smtClean="0">
-                <a:solidFill>
-                  <a:srgbClr val="000000"/>
-                </a:solidFill>
-                <a:latin typeface="Lato" panose="020B0604020202020204" charset="0"/>
-                <a:ea typeface="Lato" panose="020B0604020202020204" charset="0"/>
-                <a:cs typeface="Lato" panose="020B0604020202020204" charset="0"/>
-              </a:rPr>
-              <a:t>, </a:t>
-            </a:r>
-            <a:r>
-              <a:rPr lang="en-US" sz="3399" spc="339" dirty="0" err="1" smtClean="0">
-                <a:solidFill>
-                  <a:srgbClr val="000000"/>
-                </a:solidFill>
-                <a:latin typeface="Lato" panose="020B0604020202020204" charset="0"/>
-                <a:ea typeface="Lato" panose="020B0604020202020204" charset="0"/>
-                <a:cs typeface="Lato" panose="020B0604020202020204" charset="0"/>
-              </a:rPr>
-              <a:t>que</a:t>
-            </a:r>
-            <a:r>
-              <a:rPr lang="en-US" sz="3399" spc="339" dirty="0" smtClean="0">
-                <a:solidFill>
-                  <a:srgbClr val="000000"/>
-                </a:solidFill>
-                <a:latin typeface="Lato" panose="020B0604020202020204" charset="0"/>
-                <a:ea typeface="Lato" panose="020B0604020202020204" charset="0"/>
-                <a:cs typeface="Lato" panose="020B0604020202020204" charset="0"/>
-              </a:rPr>
-              <a:t> </a:t>
-            </a:r>
-            <a:r>
-              <a:rPr lang="en-US" sz="3399" spc="339" dirty="0" err="1" smtClean="0">
-                <a:solidFill>
-                  <a:srgbClr val="000000"/>
-                </a:solidFill>
-                <a:latin typeface="Lato" panose="020B0604020202020204" charset="0"/>
-                <a:ea typeface="Lato" panose="020B0604020202020204" charset="0"/>
-                <a:cs typeface="Lato" panose="020B0604020202020204" charset="0"/>
-              </a:rPr>
-              <a:t>serão</a:t>
-            </a:r>
-            <a:r>
-              <a:rPr lang="en-US" sz="3399" spc="339" dirty="0" smtClean="0">
-                <a:solidFill>
-                  <a:srgbClr val="000000"/>
-                </a:solidFill>
-                <a:latin typeface="Lato" panose="020B0604020202020204" charset="0"/>
-                <a:ea typeface="Lato" panose="020B0604020202020204" charset="0"/>
-                <a:cs typeface="Lato" panose="020B0604020202020204" charset="0"/>
-              </a:rPr>
-              <a:t> </a:t>
-            </a:r>
-            <a:r>
-              <a:rPr lang="en-US" sz="3399" spc="339" dirty="0" err="1" smtClean="0">
-                <a:solidFill>
-                  <a:srgbClr val="000000"/>
-                </a:solidFill>
-                <a:latin typeface="Lato" panose="020B0604020202020204" charset="0"/>
-                <a:ea typeface="Lato" panose="020B0604020202020204" charset="0"/>
-                <a:cs typeface="Lato" panose="020B0604020202020204" charset="0"/>
-              </a:rPr>
-              <a:t>explicados</a:t>
-            </a:r>
-            <a:r>
-              <a:rPr lang="en-US" sz="3399" spc="339" dirty="0" smtClean="0">
-                <a:solidFill>
-                  <a:srgbClr val="000000"/>
-                </a:solidFill>
-                <a:latin typeface="Lato" panose="020B0604020202020204" charset="0"/>
-                <a:ea typeface="Lato" panose="020B0604020202020204" charset="0"/>
-                <a:cs typeface="Lato" panose="020B0604020202020204" charset="0"/>
-              </a:rPr>
-              <a:t> no </a:t>
-            </a:r>
-            <a:r>
-              <a:rPr lang="en-US" sz="3399" spc="339" dirty="0" err="1" smtClean="0">
-                <a:solidFill>
-                  <a:srgbClr val="000000"/>
-                </a:solidFill>
-                <a:latin typeface="Lato" panose="020B0604020202020204" charset="0"/>
-                <a:ea typeface="Lato" panose="020B0604020202020204" charset="0"/>
-                <a:cs typeface="Lato" panose="020B0604020202020204" charset="0"/>
-              </a:rPr>
-              <a:t>próximo</a:t>
-            </a:r>
-            <a:r>
-              <a:rPr lang="en-US" sz="3399" spc="339" dirty="0" smtClean="0">
-                <a:solidFill>
-                  <a:srgbClr val="000000"/>
-                </a:solidFill>
-                <a:latin typeface="Lato" panose="020B0604020202020204" charset="0"/>
-                <a:ea typeface="Lato" panose="020B0604020202020204" charset="0"/>
-                <a:cs typeface="Lato" panose="020B0604020202020204" charset="0"/>
-              </a:rPr>
-              <a:t> slide.</a:t>
+              <a:rPr lang="en-US" sz="3399" spc="339" dirty="0">
+                <a:solidFill>
+                  <a:srgbClr val="000000"/>
+                </a:solidFill>
+                <a:latin typeface="Lato" panose="020B0604020202020204" charset="0"/>
+                <a:ea typeface="Lato" panose="020B0604020202020204" charset="0"/>
+                <a:cs typeface="Lato" panose="020B0604020202020204" charset="0"/>
+              </a:rPr>
+              <a:t>.</a:t>
             </a:r>
           </a:p>
         </p:txBody>
@@ -8065,7 +7840,7 @@
           <a:p>
             <a:pPr algn="ctr"/>
             <a:r>
-              <a:rPr lang="pt-BR" sz="2400" dirty="0" smtClean="0">
+              <a:rPr lang="pt-BR" sz="2400" dirty="0">
                 <a:latin typeface="Lato" panose="020B0604020202020204" charset="0"/>
                 <a:ea typeface="Lato" panose="020B0604020202020204" charset="0"/>
                 <a:cs typeface="Lato" panose="020B0604020202020204" charset="0"/>
@@ -8073,69 +7848,46 @@
               <a:t>Figura 03 – Preenchimento do </a:t>
             </a:r>
             <a:r>
-              <a:rPr lang="pt-BR" sz="2400" dirty="0" err="1" smtClean="0">
+              <a:rPr lang="pt-BR" sz="2400" dirty="0" err="1">
                 <a:latin typeface="Lato" panose="020B0604020202020204" charset="0"/>
                 <a:ea typeface="Lato" panose="020B0604020202020204" charset="0"/>
                 <a:cs typeface="Lato" panose="020B0604020202020204" charset="0"/>
               </a:rPr>
               <a:t>Drawer</a:t>
-            </a:r>
-            <a:endParaRPr lang="pt-BR" sz="2400" dirty="0" smtClean="0">
-              <a:latin typeface="Lato" panose="020B0604020202020204" charset="0"/>
-              <a:ea typeface="Lato" panose="020B0604020202020204" charset="0"/>
-              <a:cs typeface="Lato" panose="020B0604020202020204" charset="0"/>
-            </a:endParaRPr>
-          </a:p>
-          <a:p>
-            <a:pPr algn="ctr"/>
-            <a:r>
-              <a:rPr lang="pt-BR" sz="2400" dirty="0">
-                <a:latin typeface="Lato" panose="020B0604020202020204" charset="0"/>
-                <a:ea typeface="Lato" panose="020B0604020202020204" charset="0"/>
-                <a:cs typeface="Lato" panose="020B0604020202020204" charset="0"/>
-              </a:rPr>
-              <a:t>Fonte: </a:t>
-            </a:r>
-            <a:r>
-              <a:rPr lang="pt-BR" sz="2400" dirty="0" smtClean="0">
-                <a:latin typeface="Lato" panose="020B0604020202020204" charset="0"/>
-                <a:ea typeface="Lato" panose="020B0604020202020204" charset="0"/>
-                <a:cs typeface="Lato" panose="020B0604020202020204" charset="0"/>
-                <a:hlinkClick r:id="rId2"/>
-              </a:rPr>
-              <a:t>https</a:t>
-            </a:r>
-            <a:r>
-              <a:rPr lang="pt-BR" sz="2400" dirty="0">
-                <a:latin typeface="Lato" panose="020B0604020202020204" charset="0"/>
-                <a:ea typeface="Lato" panose="020B0604020202020204" charset="0"/>
-                <a:cs typeface="Lato" panose="020B0604020202020204" charset="0"/>
-                <a:hlinkClick r:id="rId2"/>
-              </a:rPr>
-              <a:t>://</a:t>
-            </a:r>
-            <a:r>
-              <a:rPr lang="pt-BR" sz="2400" dirty="0" smtClean="0">
-                <a:latin typeface="Lato" panose="020B0604020202020204" charset="0"/>
-                <a:ea typeface="Lato" panose="020B0604020202020204" charset="0"/>
-                <a:cs typeface="Lato" panose="020B0604020202020204" charset="0"/>
-                <a:hlinkClick r:id="rId2"/>
-              </a:rPr>
-              <a:t>docs.flutter.dev/cookbook/design/drawer</a:t>
-            </a:r>
-            <a:r>
-              <a:rPr lang="pt-BR" sz="2400" dirty="0" smtClean="0">
-                <a:latin typeface="Lato" panose="020B0604020202020204" charset="0"/>
-                <a:ea typeface="Lato" panose="020B0604020202020204" charset="0"/>
-                <a:cs typeface="Lato" panose="020B0604020202020204" charset="0"/>
-              </a:rPr>
-              <a:t>.</a:t>
             </a:r>
             <a:endParaRPr lang="pt-BR" sz="2400" dirty="0">
               <a:latin typeface="Lato" panose="020B0604020202020204" charset="0"/>
               <a:ea typeface="Lato" panose="020B0604020202020204" charset="0"/>
               <a:cs typeface="Lato" panose="020B0604020202020204" charset="0"/>
             </a:endParaRPr>
+          </a:p>
+          <a:p>
+            <a:pPr algn="ctr"/>
+            <a:r>
+              <a:rPr lang="pt-BR" sz="2400" dirty="0">
+                <a:latin typeface="Lato" panose="020B0604020202020204" charset="0"/>
+                <a:ea typeface="Lato" panose="020B0604020202020204" charset="0"/>
+                <a:cs typeface="Lato" panose="020B0604020202020204" charset="0"/>
+              </a:rPr>
+              <a:t>Fonte: </a:t>
+            </a:r>
+            <a:r>
+              <a:rPr lang="pt-BR" sz="2400" dirty="0">
+                <a:latin typeface="Lato" panose="020B0604020202020204" charset="0"/>
+                <a:ea typeface="Lato" panose="020B0604020202020204" charset="0"/>
+                <a:cs typeface="Lato" panose="020B0604020202020204" charset="0"/>
+                <a:hlinkClick r:id="rId2"/>
+              </a:rPr>
+              <a:t>https://docs.flutter.dev/cookbook/design/drawer</a:t>
+            </a:r>
+            <a:r>
+              <a:rPr lang="pt-BR" sz="2400" dirty="0">
+                <a:latin typeface="Lato" panose="020B0604020202020204" charset="0"/>
+                <a:ea typeface="Lato" panose="020B0604020202020204" charset="0"/>
+                <a:cs typeface="Lato" panose="020B0604020202020204" charset="0"/>
+              </a:rPr>
+              <a:t>.</a:t>
+            </a:r>
           </a:p>
         </p:txBody>
       </p:sp>
@@ -8179,13 +7931,6 @@
   <p:clrMapOvr>
     <a:masterClrMapping/>
   </p:clrMapOvr>
-  <p:timing>
-    <p:tnLst>
-      <p:par>
-        <p:cTn id="1" dur="indefinite" restart="never" nodeType="tmRoot"/>
-      </p:par>
-    </p:tnLst>
-  </p:timing>
 </p:sld>
 </file>
 
@@ -8233,7 +7978,7 @@
               </a:lnSpc>
             </a:pPr>
             <a:r>
-              <a:rPr lang="en-US" sz="5000" spc="300" dirty="0" err="1" smtClean="0">
+              <a:rPr lang="en-US" sz="5000" spc="300" dirty="0" err="1">
                 <a:solidFill>
                   <a:srgbClr val="2B4A9D"/>
                 </a:solidFill>
@@ -8242,7 +7987,7 @@
               <a:t>DrawerHeader</a:t>
             </a:r>
             <a:r>
-              <a:rPr lang="en-US" sz="5000" spc="300" dirty="0" smtClean="0">
+              <a:rPr lang="en-US" sz="5000" spc="300" dirty="0">
                 <a:solidFill>
                   <a:srgbClr val="2B4A9D"/>
                 </a:solidFill>
@@ -8251,7 +7996,7 @@
               <a:t> e </a:t>
             </a:r>
             <a:r>
-              <a:rPr lang="en-US" sz="5000" spc="300" dirty="0" err="1" smtClean="0">
+              <a:rPr lang="en-US" sz="5000" spc="300" dirty="0" err="1">
                 <a:solidFill>
                   <a:srgbClr val="2B4A9D"/>
                 </a:solidFill>
@@ -8321,6 +8066,13 @@
               <a:srgbClr val="2B4A9D"/>
             </a:solidFill>
           </p:spPr>
+          <p:txBody>
+            <a:bodyPr/>
+            <a:lstStyle/>
+            <a:p>
+              <a:endParaRPr lang="pt-BR"/>
+            </a:p>
+          </p:txBody>
         </p:sp>
       </p:grpSp>
       <p:sp>
@@ -8352,7 +8104,7 @@
               <a:buChar char="•"/>
             </a:pPr>
             <a:r>
-              <a:rPr lang="en-US" sz="3399" spc="339" dirty="0" smtClean="0">
+              <a:rPr lang="en-US" sz="3399" spc="339" dirty="0">
                 <a:solidFill>
                   <a:srgbClr val="000000"/>
                 </a:solidFill>
@@ -8363,7 +8115,7 @@
               <a:t>O </a:t>
             </a:r>
             <a:r>
-              <a:rPr lang="en-US" sz="3399" spc="339" dirty="0" err="1" smtClean="0">
+              <a:rPr lang="en-US" sz="3399" spc="339" dirty="0" err="1">
                 <a:solidFill>
                   <a:srgbClr val="000000"/>
                 </a:solidFill>
@@ -8374,7 +8126,7 @@
               <a:t>DrawerHeader</a:t>
             </a:r>
             <a:r>
-              <a:rPr lang="en-US" sz="3399" spc="339" dirty="0" smtClean="0">
+              <a:rPr lang="en-US" sz="3399" spc="339" dirty="0">
                 <a:solidFill>
                   <a:srgbClr val="000000"/>
                 </a:solidFill>
@@ -8385,7 +8137,7 @@
               <a:t> </a:t>
             </a:r>
             <a:r>
-              <a:rPr lang="en-US" sz="3399" spc="339" dirty="0" err="1" smtClean="0">
+              <a:rPr lang="en-US" sz="3399" spc="339" dirty="0" err="1">
                 <a:solidFill>
                   <a:srgbClr val="000000"/>
                 </a:solidFill>
@@ -8396,7 +8148,7 @@
               <a:t>fornece</a:t>
             </a:r>
             <a:r>
-              <a:rPr lang="en-US" sz="3399" spc="339" dirty="0" smtClean="0">
+              <a:rPr lang="en-US" sz="3399" spc="339" dirty="0">
                 <a:solidFill>
                   <a:srgbClr val="000000"/>
                 </a:solidFill>
@@ -8407,7 +8159,7 @@
               <a:t> um </a:t>
             </a:r>
             <a:r>
-              <a:rPr lang="en-US" sz="3399" spc="339" dirty="0" err="1" smtClean="0">
+              <a:rPr lang="en-US" sz="3399" spc="339" dirty="0" err="1">
                 <a:solidFill>
                   <a:srgbClr val="000000"/>
                 </a:solidFill>
@@ -8418,7 +8170,7 @@
               <a:t>espaço</a:t>
             </a:r>
             <a:r>
-              <a:rPr lang="en-US" sz="3399" spc="339" dirty="0" smtClean="0">
+              <a:rPr lang="en-US" sz="3399" spc="339" dirty="0">
                 <a:solidFill>
                   <a:srgbClr val="000000"/>
                 </a:solidFill>
@@ -8429,7 +8181,7 @@
               <a:t> para </a:t>
             </a:r>
             <a:r>
-              <a:rPr lang="en-US" sz="3399" spc="339" dirty="0" err="1" smtClean="0">
+              <a:rPr lang="en-US" sz="3399" spc="339" dirty="0" err="1">
                 <a:solidFill>
                   <a:srgbClr val="000000"/>
                 </a:solidFill>
@@ -8440,7 +8192,7 @@
               <a:t>exibir</a:t>
             </a:r>
             <a:r>
-              <a:rPr lang="en-US" sz="3399" spc="339" dirty="0" smtClean="0">
+              <a:rPr lang="en-US" sz="3399" spc="339" dirty="0">
                 <a:solidFill>
                   <a:srgbClr val="000000"/>
                 </a:solidFill>
@@ -8451,7 +8203,7 @@
               <a:t> um </a:t>
             </a:r>
             <a:r>
-              <a:rPr lang="en-US" sz="3399" spc="339" dirty="0" err="1" smtClean="0">
+              <a:rPr lang="en-US" sz="3399" spc="339" dirty="0" err="1">
                 <a:solidFill>
                   <a:srgbClr val="000000"/>
                 </a:solidFill>
@@ -8462,7 +8214,7 @@
               <a:t>título</a:t>
             </a:r>
             <a:r>
-              <a:rPr lang="en-US" sz="3399" spc="339" dirty="0" smtClean="0">
+              <a:rPr lang="en-US" sz="3399" spc="339" dirty="0">
                 <a:solidFill>
                   <a:srgbClr val="000000"/>
                 </a:solidFill>
@@ -8473,7 +8225,7 @@
               <a:t> </a:t>
             </a:r>
             <a:r>
-              <a:rPr lang="en-US" sz="3399" spc="339" dirty="0" err="1" smtClean="0">
+              <a:rPr lang="en-US" sz="3399" spc="339" dirty="0" err="1">
                 <a:solidFill>
                   <a:srgbClr val="000000"/>
                 </a:solidFill>
@@ -8495,7 +8247,7 @@
               <a:t> </a:t>
             </a:r>
             <a:r>
-              <a:rPr lang="en-US" sz="3399" spc="339" dirty="0" err="1" smtClean="0">
+              <a:rPr lang="en-US" sz="3399" spc="339" dirty="0" err="1">
                 <a:solidFill>
                   <a:srgbClr val="000000"/>
                 </a:solidFill>
@@ -8506,7 +8258,7 @@
               <a:t>logotipo</a:t>
             </a:r>
             <a:r>
-              <a:rPr lang="en-US" sz="3399" spc="339" dirty="0" smtClean="0">
+              <a:rPr lang="en-US" sz="3399" spc="339" dirty="0">
                 <a:solidFill>
                   <a:srgbClr val="000000"/>
                 </a:solidFill>
@@ -8543,7 +8295,7 @@
               <a:buChar char="•"/>
             </a:pPr>
             <a:r>
-              <a:rPr lang="en-US" sz="3399" spc="339" dirty="0" smtClean="0">
+              <a:rPr lang="en-US" sz="3399" spc="339" dirty="0">
                 <a:solidFill>
                   <a:srgbClr val="000000"/>
                 </a:solidFill>
@@ -8554,7 +8306,7 @@
               <a:t>O </a:t>
             </a:r>
             <a:r>
-              <a:rPr lang="en-US" sz="3399" spc="339" dirty="0" err="1" smtClean="0">
+              <a:rPr lang="en-US" sz="3399" spc="339" dirty="0" err="1">
                 <a:solidFill>
                   <a:srgbClr val="000000"/>
                 </a:solidFill>
@@ -8565,7 +8317,7 @@
               <a:t>ListTitle</a:t>
             </a:r>
             <a:r>
-              <a:rPr lang="en-US" sz="3399" spc="339" dirty="0" smtClean="0">
+              <a:rPr lang="en-US" sz="3399" spc="339" dirty="0">
                 <a:solidFill>
                   <a:srgbClr val="000000"/>
                 </a:solidFill>
@@ -8576,7 +8328,7 @@
               <a:t> é um widget </a:t>
             </a:r>
             <a:r>
-              <a:rPr lang="en-US" sz="3399" spc="339" dirty="0" err="1" smtClean="0">
+              <a:rPr lang="en-US" sz="3399" spc="339" dirty="0" err="1">
                 <a:solidFill>
                   <a:srgbClr val="000000"/>
                 </a:solidFill>
@@ -8587,7 +8339,7 @@
               <a:t>usado</a:t>
             </a:r>
             <a:r>
-              <a:rPr lang="en-US" sz="3399" spc="339" dirty="0" smtClean="0">
+              <a:rPr lang="en-US" sz="3399" spc="339" dirty="0">
                 <a:solidFill>
                   <a:srgbClr val="000000"/>
                 </a:solidFill>
@@ -8598,7 +8350,7 @@
               <a:t> para </a:t>
             </a:r>
             <a:r>
-              <a:rPr lang="en-US" sz="3399" spc="339" dirty="0" err="1" smtClean="0">
+              <a:rPr lang="en-US" sz="3399" spc="339" dirty="0" err="1">
                 <a:solidFill>
                   <a:srgbClr val="000000"/>
                 </a:solidFill>
@@ -8609,7 +8361,7 @@
               <a:t>representar</a:t>
             </a:r>
             <a:r>
-              <a:rPr lang="en-US" sz="3399" spc="339" dirty="0" smtClean="0">
+              <a:rPr lang="en-US" sz="3399" spc="339" dirty="0">
                 <a:solidFill>
                   <a:srgbClr val="000000"/>
                 </a:solidFill>
@@ -8620,7 +8372,7 @@
               <a:t> um </a:t>
             </a:r>
             <a:r>
-              <a:rPr lang="en-US" sz="3399" spc="339" dirty="0" err="1" smtClean="0">
+              <a:rPr lang="en-US" sz="3399" spc="339" dirty="0" err="1">
                 <a:solidFill>
                   <a:srgbClr val="000000"/>
                 </a:solidFill>
@@ -8631,7 +8383,7 @@
               <a:t>único</a:t>
             </a:r>
             <a:r>
-              <a:rPr lang="en-US" sz="3399" spc="339" dirty="0" smtClean="0">
+              <a:rPr lang="en-US" sz="3399" spc="339" dirty="0">
                 <a:solidFill>
                   <a:srgbClr val="000000"/>
                 </a:solidFill>
@@ -8642,7 +8394,7 @@
               <a:t> item </a:t>
             </a:r>
             <a:r>
-              <a:rPr lang="en-US" sz="3399" spc="339" dirty="0" err="1" smtClean="0">
+              <a:rPr lang="en-US" sz="3399" spc="339" dirty="0" err="1">
                 <a:solidFill>
                   <a:srgbClr val="000000"/>
                 </a:solidFill>
@@ -8653,7 +8405,7 @@
               <a:t>em</a:t>
             </a:r>
             <a:r>
-              <a:rPr lang="en-US" sz="3399" spc="339" dirty="0" smtClean="0">
+              <a:rPr lang="en-US" sz="3399" spc="339" dirty="0">
                 <a:solidFill>
                   <a:srgbClr val="000000"/>
                 </a:solidFill>
@@ -8664,7 +8416,7 @@
               <a:t> </a:t>
             </a:r>
             <a:r>
-              <a:rPr lang="en-US" sz="3399" spc="339" dirty="0" err="1" smtClean="0">
+              <a:rPr lang="en-US" sz="3399" spc="339" dirty="0" err="1">
                 <a:solidFill>
                   <a:srgbClr val="000000"/>
                 </a:solidFill>
@@ -8675,7 +8427,7 @@
               <a:t>uma</a:t>
             </a:r>
             <a:r>
-              <a:rPr lang="en-US" sz="3399" spc="339" dirty="0" smtClean="0">
+              <a:rPr lang="en-US" sz="3399" spc="339" dirty="0">
                 <a:solidFill>
                   <a:srgbClr val="000000"/>
                 </a:solidFill>
@@ -8686,7 +8438,7 @@
               <a:t> </a:t>
             </a:r>
             <a:r>
-              <a:rPr lang="en-US" sz="3399" spc="339" dirty="0" err="1" smtClean="0">
+              <a:rPr lang="en-US" sz="3399" spc="339" dirty="0" err="1">
                 <a:solidFill>
                   <a:srgbClr val="000000"/>
                 </a:solidFill>
@@ -8697,7 +8449,7 @@
               <a:t>lista</a:t>
             </a:r>
             <a:r>
-              <a:rPr lang="en-US" sz="3399" spc="339" dirty="0" smtClean="0">
+              <a:rPr lang="en-US" sz="3399" spc="339" dirty="0">
                 <a:solidFill>
                   <a:srgbClr val="000000"/>
                 </a:solidFill>
@@ -8708,7 +8460,7 @@
               <a:t>, </a:t>
             </a:r>
             <a:r>
-              <a:rPr lang="en-US" sz="3399" spc="339" dirty="0" err="1" smtClean="0">
+              <a:rPr lang="en-US" sz="3399" spc="339" dirty="0" err="1">
                 <a:solidFill>
                   <a:srgbClr val="000000"/>
                 </a:solidFill>
@@ -8719,7 +8471,7 @@
               <a:t>fornecendo</a:t>
             </a:r>
             <a:r>
-              <a:rPr lang="en-US" sz="3399" spc="339" dirty="0" smtClean="0">
+              <a:rPr lang="en-US" sz="3399" spc="339" dirty="0">
                 <a:solidFill>
                   <a:srgbClr val="000000"/>
                 </a:solidFill>
@@ -8730,7 +8482,7 @@
               <a:t> um layout para </a:t>
             </a:r>
             <a:r>
-              <a:rPr lang="en-US" sz="3399" spc="339" dirty="0" err="1" smtClean="0">
+              <a:rPr lang="en-US" sz="3399" spc="339" dirty="0" err="1">
                 <a:solidFill>
                   <a:srgbClr val="000000"/>
                 </a:solidFill>
@@ -8741,7 +8493,7 @@
               <a:t>exibir</a:t>
             </a:r>
             <a:r>
-              <a:rPr lang="en-US" sz="3399" spc="339" dirty="0" smtClean="0">
+              <a:rPr lang="en-US" sz="3399" spc="339" dirty="0">
                 <a:solidFill>
                   <a:srgbClr val="000000"/>
                 </a:solidFill>
@@ -8752,7 +8504,7 @@
               <a:t> um </a:t>
             </a:r>
             <a:r>
-              <a:rPr lang="en-US" sz="3399" spc="339" dirty="0" err="1" smtClean="0">
+              <a:rPr lang="en-US" sz="3399" spc="339" dirty="0" err="1">
                 <a:solidFill>
                   <a:srgbClr val="000000"/>
                 </a:solidFill>
@@ -8763,7 +8515,7 @@
               <a:t>título</a:t>
             </a:r>
             <a:r>
-              <a:rPr lang="en-US" sz="3399" spc="339" dirty="0" smtClean="0">
+              <a:rPr lang="en-US" sz="3399" spc="339" dirty="0">
                 <a:solidFill>
                   <a:srgbClr val="000000"/>
                 </a:solidFill>
@@ -8774,7 +8526,7 @@
               <a:t>, um </a:t>
             </a:r>
             <a:r>
-              <a:rPr lang="en-US" sz="3399" spc="339" dirty="0" err="1" smtClean="0">
+              <a:rPr lang="en-US" sz="3399" spc="339" dirty="0" err="1">
                 <a:solidFill>
                   <a:srgbClr val="000000"/>
                 </a:solidFill>
@@ -8785,7 +8537,7 @@
               <a:t>subtítulo</a:t>
             </a:r>
             <a:r>
-              <a:rPr lang="en-US" sz="3399" spc="339" dirty="0" smtClean="0">
+              <a:rPr lang="en-US" sz="3399" spc="339" dirty="0">
                 <a:solidFill>
                   <a:srgbClr val="000000"/>
                 </a:solidFill>
@@ -8796,7 +8548,7 @@
               <a:t> </a:t>
             </a:r>
             <a:r>
-              <a:rPr lang="en-US" sz="3399" spc="339" dirty="0" err="1" smtClean="0">
+              <a:rPr lang="en-US" sz="3399" spc="339" dirty="0" err="1">
                 <a:solidFill>
                   <a:srgbClr val="000000"/>
                 </a:solidFill>
@@ -8807,18 +8559,18 @@
               <a:t>opcional</a:t>
             </a:r>
             <a:r>
-              <a:rPr lang="en-US" sz="3399" spc="339" dirty="0" smtClean="0">
-                <a:solidFill>
-                  <a:srgbClr val="000000"/>
-                </a:solidFill>
-                <a:latin typeface="Lato" panose="020B0604020202020204" charset="0"/>
-                <a:ea typeface="Lato" panose="020B0604020202020204" charset="0"/>
-                <a:cs typeface="Lato" panose="020B0604020202020204" charset="0"/>
-              </a:rPr>
-              <a:t>, um </a:t>
-            </a:r>
-            <a:r>
-              <a:rPr lang="en-US" sz="3399" spc="339" dirty="0" err="1" smtClean="0">
+              <a:rPr lang="en-US" sz="3399" spc="339" dirty="0">
+                <a:solidFill>
+                  <a:srgbClr val="000000"/>
+                </a:solidFill>
+                <a:latin typeface="Lato" panose="020B0604020202020204" charset="0"/>
+                <a:ea typeface="Lato" panose="020B0604020202020204" charset="0"/>
+                <a:cs typeface="Lato" panose="020B0604020202020204" charset="0"/>
+              </a:rPr>
+              <a:t> e um </a:t>
+            </a:r>
+            <a:r>
+              <a:rPr lang="en-US" sz="3399" spc="339" dirty="0" err="1">
                 <a:solidFill>
                   <a:srgbClr val="000000"/>
                 </a:solidFill>
@@ -8829,7 +8581,7 @@
               <a:t>ícone</a:t>
             </a:r>
             <a:r>
-              <a:rPr lang="en-US" sz="3399" spc="339" dirty="0" smtClean="0">
+              <a:rPr lang="en-US" sz="3399" spc="339" dirty="0">
                 <a:solidFill>
                   <a:srgbClr val="000000"/>
                 </a:solidFill>
@@ -8840,7 +8592,7 @@
               <a:t> </a:t>
             </a:r>
             <a:r>
-              <a:rPr lang="en-US" sz="3399" spc="339" dirty="0" err="1" smtClean="0">
+              <a:rPr lang="en-US" sz="3399" spc="339" dirty="0" err="1">
                 <a:solidFill>
                   <a:srgbClr val="000000"/>
                 </a:solidFill>
@@ -8851,7 +8603,7 @@
               <a:t>opcional</a:t>
             </a:r>
             <a:r>
-              <a:rPr lang="en-US" sz="3399" spc="339" dirty="0" smtClean="0">
+              <a:rPr lang="en-US" sz="3399" spc="339" dirty="0">
                 <a:solidFill>
                   <a:srgbClr val="000000"/>
                 </a:solidFill>
@@ -8862,7 +8614,7 @@
               <a:t>, </a:t>
             </a:r>
             <a:r>
-              <a:rPr lang="en-US" sz="3399" spc="339" dirty="0" err="1" smtClean="0">
+              <a:rPr lang="en-US" sz="3399" spc="339" dirty="0" err="1">
                 <a:solidFill>
                   <a:srgbClr val="000000"/>
                 </a:solidFill>
@@ -8873,7 +8625,7 @@
               <a:t>além</a:t>
             </a:r>
             <a:r>
-              <a:rPr lang="en-US" sz="3399" spc="339" dirty="0" smtClean="0">
+              <a:rPr lang="en-US" sz="3399" spc="339" dirty="0">
                 <a:solidFill>
                   <a:srgbClr val="000000"/>
                 </a:solidFill>
@@ -8884,7 +8636,7 @@
               <a:t> de </a:t>
             </a:r>
             <a:r>
-              <a:rPr lang="en-US" sz="3399" spc="339" dirty="0" err="1" smtClean="0">
+              <a:rPr lang="en-US" sz="3399" spc="339" dirty="0" err="1">
                 <a:solidFill>
                   <a:srgbClr val="000000"/>
                 </a:solidFill>
@@ -8895,37 +8647,15 @@
               <a:t>permitir</a:t>
             </a:r>
             <a:r>
-              <a:rPr lang="en-US" sz="3399" spc="339" dirty="0" smtClean="0">
-                <a:solidFill>
-                  <a:srgbClr val="000000"/>
-                </a:solidFill>
-                <a:latin typeface="Lato" panose="020B0604020202020204" charset="0"/>
-                <a:ea typeface="Lato" panose="020B0604020202020204" charset="0"/>
-                <a:cs typeface="Lato" panose="020B0604020202020204" charset="0"/>
-              </a:rPr>
-              <a:t> </a:t>
-            </a:r>
-            <a:r>
-              <a:rPr lang="en-US" sz="3399" spc="339" dirty="0" err="1" smtClean="0">
-                <a:solidFill>
-                  <a:srgbClr val="000000"/>
-                </a:solidFill>
-                <a:latin typeface="Lato" panose="020B0604020202020204" charset="0"/>
-                <a:ea typeface="Lato" panose="020B0604020202020204" charset="0"/>
-                <a:cs typeface="Lato" panose="020B0604020202020204" charset="0"/>
-              </a:rPr>
-              <a:t>lidar</a:t>
-            </a:r>
-            <a:r>
-              <a:rPr lang="en-US" sz="3399" spc="339" dirty="0" smtClean="0">
-                <a:solidFill>
-                  <a:srgbClr val="000000"/>
-                </a:solidFill>
-                <a:latin typeface="Lato" panose="020B0604020202020204" charset="0"/>
-                <a:ea typeface="Lato" panose="020B0604020202020204" charset="0"/>
-                <a:cs typeface="Lato" panose="020B0604020202020204" charset="0"/>
-              </a:rPr>
-              <a:t> com toques.</a:t>
+              <a:rPr lang="en-US" sz="3399" spc="339" dirty="0">
+                <a:solidFill>
+                  <a:srgbClr val="000000"/>
+                </a:solidFill>
+                <a:latin typeface="Lato" panose="020B0604020202020204" charset="0"/>
+                <a:ea typeface="Lato" panose="020B0604020202020204" charset="0"/>
+                <a:cs typeface="Lato" panose="020B0604020202020204" charset="0"/>
+              </a:rPr>
+              <a:t> lidar com toques.</a:t>
             </a:r>
           </a:p>
         </p:txBody>
@@ -8940,13 +8670,6 @@
   <p:clrMapOvr>
     <a:masterClrMapping/>
   </p:clrMapOvr>
-  <p:timing>
-    <p:tnLst>
-      <p:par>
-        <p:cTn id="1" dur="indefinite" restart="never" nodeType="tmRoot"/>
-      </p:par>
-    </p:tnLst>
-  </p:timing>
 </p:sld>
 </file>
 
@@ -8994,7 +8717,7 @@
               </a:lnSpc>
             </a:pPr>
             <a:r>
-              <a:rPr lang="en-US" sz="5000" spc="300" dirty="0" err="1" smtClean="0">
+              <a:rPr lang="en-US" sz="5000" spc="300" dirty="0" err="1">
                 <a:solidFill>
                   <a:srgbClr val="2B4A9D"/>
                 </a:solidFill>
@@ -9003,7 +8726,7 @@
               <a:t>Passo</a:t>
             </a:r>
             <a:r>
-              <a:rPr lang="en-US" sz="5000" spc="300" dirty="0" smtClean="0">
+              <a:rPr lang="en-US" sz="5000" spc="300" dirty="0">
                 <a:solidFill>
                   <a:srgbClr val="2B4A9D"/>
                 </a:solidFill>
@@ -9012,7 +8735,7 @@
               <a:t> 04 – </a:t>
             </a:r>
             <a:r>
-              <a:rPr lang="en-US" sz="5000" spc="300" dirty="0" err="1" smtClean="0">
+              <a:rPr lang="en-US" sz="5000" spc="300" dirty="0" err="1">
                 <a:solidFill>
                   <a:srgbClr val="2B4A9D"/>
                 </a:solidFill>
@@ -9021,7 +8744,7 @@
               <a:t>Feche</a:t>
             </a:r>
             <a:r>
-              <a:rPr lang="en-US" sz="5000" spc="300" dirty="0" smtClean="0">
+              <a:rPr lang="en-US" sz="5000" spc="300" dirty="0">
                 <a:solidFill>
                   <a:srgbClr val="2B4A9D"/>
                 </a:solidFill>
@@ -9030,7 +8753,7 @@
               <a:t> o Drawer </a:t>
             </a:r>
             <a:r>
-              <a:rPr lang="en-US" sz="5000" spc="300" dirty="0" err="1" smtClean="0">
+              <a:rPr lang="en-US" sz="5000" spc="300" dirty="0" err="1">
                 <a:solidFill>
                   <a:srgbClr val="2B4A9D"/>
                 </a:solidFill>
@@ -9100,6 +8823,13 @@
               <a:srgbClr val="2B4A9D"/>
             </a:solidFill>
           </p:spPr>
+          <p:txBody>
+            <a:bodyPr/>
+            <a:lstStyle/>
+            <a:p>
+              <a:endParaRPr lang="pt-BR"/>
+            </a:p>
+          </p:txBody>
         </p:sp>
       </p:grpSp>
       <p:sp>
@@ -9131,7 +8861,7 @@
               <a:buChar char="•"/>
             </a:pPr>
             <a:r>
-              <a:rPr lang="en-US" sz="3399" spc="339" dirty="0" err="1" smtClean="0">
+              <a:rPr lang="en-US" sz="3399" spc="339" dirty="0" err="1">
                 <a:solidFill>
                   <a:srgbClr val="000000"/>
                 </a:solidFill>
@@ -9142,7 +8872,7 @@
               <a:t>Após</a:t>
             </a:r>
             <a:r>
-              <a:rPr lang="en-US" sz="3399" spc="339" dirty="0" smtClean="0">
+              <a:rPr lang="en-US" sz="3399" spc="339" dirty="0">
                 <a:solidFill>
                   <a:srgbClr val="000000"/>
                 </a:solidFill>
@@ -9153,7 +8883,7 @@
               <a:t> o </a:t>
             </a:r>
             <a:r>
-              <a:rPr lang="en-US" sz="3399" spc="339" dirty="0" err="1" smtClean="0">
+              <a:rPr lang="en-US" sz="3399" spc="339" dirty="0" err="1">
                 <a:solidFill>
                   <a:srgbClr val="000000"/>
                 </a:solidFill>
@@ -9164,7 +8894,7 @@
               <a:t>usuário</a:t>
             </a:r>
             <a:r>
-              <a:rPr lang="en-US" sz="3399" spc="339" dirty="0" smtClean="0">
+              <a:rPr lang="en-US" sz="3399" spc="339" dirty="0">
                 <a:solidFill>
                   <a:srgbClr val="000000"/>
                 </a:solidFill>
@@ -9175,7 +8905,7 @@
               <a:t> </a:t>
             </a:r>
             <a:r>
-              <a:rPr lang="en-US" sz="3399" spc="339" dirty="0" err="1" smtClean="0">
+              <a:rPr lang="en-US" sz="3399" spc="339" dirty="0" err="1">
                 <a:solidFill>
                   <a:srgbClr val="000000"/>
                 </a:solidFill>
@@ -9186,7 +8916,7 @@
               <a:t>tocar</a:t>
             </a:r>
             <a:r>
-              <a:rPr lang="en-US" sz="3399" spc="339" dirty="0" smtClean="0">
+              <a:rPr lang="en-US" sz="3399" spc="339" dirty="0">
                 <a:solidFill>
                   <a:srgbClr val="000000"/>
                 </a:solidFill>
@@ -9197,7 +8927,7 @@
               <a:t> </a:t>
             </a:r>
             <a:r>
-              <a:rPr lang="en-US" sz="3399" spc="339" dirty="0" err="1" smtClean="0">
+              <a:rPr lang="en-US" sz="3399" spc="339" dirty="0" err="1">
                 <a:solidFill>
                   <a:srgbClr val="000000"/>
                 </a:solidFill>
@@ -9208,7 +8938,7 @@
               <a:t>em</a:t>
             </a:r>
             <a:r>
-              <a:rPr lang="en-US" sz="3399" spc="339" dirty="0" smtClean="0">
+              <a:rPr lang="en-US" sz="3399" spc="339" dirty="0">
                 <a:solidFill>
                   <a:srgbClr val="000000"/>
                 </a:solidFill>
@@ -9219,7 +8949,7 @@
               <a:t> um item, é </a:t>
             </a:r>
             <a:r>
-              <a:rPr lang="en-US" sz="3399" spc="339" dirty="0" err="1" smtClean="0">
+              <a:rPr lang="en-US" sz="3399" spc="339" dirty="0" err="1">
                 <a:solidFill>
                   <a:srgbClr val="000000"/>
                 </a:solidFill>
@@ -9230,7 +8960,7 @@
               <a:t>possível</a:t>
             </a:r>
             <a:r>
-              <a:rPr lang="en-US" sz="3399" spc="339" dirty="0" smtClean="0">
+              <a:rPr lang="en-US" sz="3399" spc="339" dirty="0">
                 <a:solidFill>
                   <a:srgbClr val="000000"/>
                 </a:solidFill>
@@ -9241,7 +8971,7 @@
               <a:t> </a:t>
             </a:r>
             <a:r>
-              <a:rPr lang="en-US" sz="3399" spc="339" dirty="0" err="1" smtClean="0">
+              <a:rPr lang="en-US" sz="3399" spc="339" dirty="0" err="1">
                 <a:solidFill>
                   <a:srgbClr val="000000"/>
                 </a:solidFill>
@@ -9252,7 +8982,7 @@
               <a:t>que</a:t>
             </a:r>
             <a:r>
-              <a:rPr lang="en-US" sz="3399" spc="339" dirty="0" smtClean="0">
+              <a:rPr lang="en-US" sz="3399" spc="339" dirty="0">
                 <a:solidFill>
                   <a:srgbClr val="000000"/>
                 </a:solidFill>
@@ -9263,7 +8993,7 @@
               <a:t> </a:t>
             </a:r>
             <a:r>
-              <a:rPr lang="en-US" sz="3399" spc="339" dirty="0" err="1" smtClean="0">
+              <a:rPr lang="en-US" sz="3399" spc="339" dirty="0" err="1">
                 <a:solidFill>
                   <a:srgbClr val="000000"/>
                 </a:solidFill>
@@ -9274,7 +9004,7 @@
               <a:t>seja</a:t>
             </a:r>
             <a:r>
-              <a:rPr lang="en-US" sz="3399" spc="339" dirty="0" smtClean="0">
+              <a:rPr lang="en-US" sz="3399" spc="339" dirty="0">
                 <a:solidFill>
                   <a:srgbClr val="000000"/>
                 </a:solidFill>
@@ -9285,7 +9015,7 @@
               <a:t> </a:t>
             </a:r>
             <a:r>
-              <a:rPr lang="en-US" sz="3399" spc="339" dirty="0" err="1" smtClean="0">
+              <a:rPr lang="en-US" sz="3399" spc="339" dirty="0" err="1">
                 <a:solidFill>
                   <a:srgbClr val="000000"/>
                 </a:solidFill>
@@ -9296,7 +9026,7 @@
               <a:t>necessário</a:t>
             </a:r>
             <a:r>
-              <a:rPr lang="en-US" sz="3399" spc="339" dirty="0" smtClean="0">
+              <a:rPr lang="en-US" sz="3399" spc="339" dirty="0">
                 <a:solidFill>
                   <a:srgbClr val="000000"/>
                 </a:solidFill>
@@ -9307,7 +9037,7 @@
               <a:t> </a:t>
             </a:r>
             <a:r>
-              <a:rPr lang="en-US" sz="3399" spc="339" dirty="0" err="1" smtClean="0">
+              <a:rPr lang="en-US" sz="3399" spc="339" dirty="0" err="1">
                 <a:solidFill>
                   <a:srgbClr val="000000"/>
                 </a:solidFill>
@@ -9318,7 +9048,7 @@
               <a:t>fechar</a:t>
             </a:r>
             <a:r>
-              <a:rPr lang="en-US" sz="3399" spc="339" dirty="0" smtClean="0">
+              <a:rPr lang="en-US" sz="3399" spc="339" dirty="0">
                 <a:solidFill>
                   <a:srgbClr val="000000"/>
                 </a:solidFill>
@@ -9329,7 +9059,7 @@
               <a:t> o drawer, para </a:t>
             </a:r>
             <a:r>
-              <a:rPr lang="en-US" sz="3399" spc="339" dirty="0" err="1" smtClean="0">
+              <a:rPr lang="en-US" sz="3399" spc="339" dirty="0" err="1">
                 <a:solidFill>
                   <a:srgbClr val="000000"/>
                 </a:solidFill>
@@ -9340,7 +9070,7 @@
               <a:t>isso</a:t>
             </a:r>
             <a:r>
-              <a:rPr lang="en-US" sz="3399" spc="339" dirty="0" smtClean="0">
+              <a:rPr lang="en-US" sz="3399" spc="339" dirty="0">
                 <a:solidFill>
                   <a:srgbClr val="000000"/>
                 </a:solidFill>
@@ -9351,7 +9081,7 @@
               <a:t> é </a:t>
             </a:r>
             <a:r>
-              <a:rPr lang="en-US" sz="3399" spc="339" dirty="0" err="1" smtClean="0">
+              <a:rPr lang="en-US" sz="3399" spc="339" dirty="0" err="1">
                 <a:solidFill>
                   <a:srgbClr val="000000"/>
                 </a:solidFill>
@@ -9362,7 +9092,7 @@
               <a:t>utilizado</a:t>
             </a:r>
             <a:r>
-              <a:rPr lang="en-US" sz="3399" spc="339" dirty="0" smtClean="0">
+              <a:rPr lang="en-US" sz="3399" spc="339" dirty="0">
                 <a:solidFill>
                   <a:srgbClr val="000000"/>
                 </a:solidFill>
@@ -9399,7 +9129,7 @@
               <a:buChar char="•"/>
             </a:pPr>
             <a:r>
-              <a:rPr lang="en-US" sz="3399" spc="339" dirty="0" err="1" smtClean="0">
+              <a:rPr lang="en-US" sz="3399" spc="339" dirty="0" err="1">
                 <a:solidFill>
                   <a:srgbClr val="000000"/>
                 </a:solidFill>
@@ -9410,7 +9140,7 @@
               <a:t>Quando</a:t>
             </a:r>
             <a:r>
-              <a:rPr lang="en-US" sz="3399" spc="339" dirty="0" smtClean="0">
+              <a:rPr lang="en-US" sz="3399" spc="339" dirty="0">
                 <a:solidFill>
                   <a:srgbClr val="000000"/>
                 </a:solidFill>
@@ -9421,7 +9151,7 @@
               <a:t> o </a:t>
             </a:r>
             <a:r>
-              <a:rPr lang="en-US" sz="3399" spc="339" dirty="0" err="1" smtClean="0">
+              <a:rPr lang="en-US" sz="3399" spc="339" dirty="0" err="1">
                 <a:solidFill>
                   <a:srgbClr val="000000"/>
                 </a:solidFill>
@@ -9432,7 +9162,7 @@
               <a:t>usuário</a:t>
             </a:r>
             <a:r>
-              <a:rPr lang="en-US" sz="3399" spc="339" dirty="0" smtClean="0">
+              <a:rPr lang="en-US" sz="3399" spc="339" dirty="0">
                 <a:solidFill>
                   <a:srgbClr val="000000"/>
                 </a:solidFill>
@@ -9443,7 +9173,7 @@
               <a:t> </a:t>
             </a:r>
             <a:r>
-              <a:rPr lang="en-US" sz="3399" spc="339" dirty="0" err="1" smtClean="0">
+              <a:rPr lang="en-US" sz="3399" spc="339" dirty="0" err="1">
                 <a:solidFill>
                   <a:srgbClr val="000000"/>
                 </a:solidFill>
@@ -9454,7 +9184,7 @@
               <a:t>abre</a:t>
             </a:r>
             <a:r>
-              <a:rPr lang="en-US" sz="3399" spc="339" dirty="0" smtClean="0">
+              <a:rPr lang="en-US" sz="3399" spc="339" dirty="0">
                 <a:solidFill>
                   <a:srgbClr val="000000"/>
                 </a:solidFill>
@@ -9465,7 +9195,7 @@
               <a:t> o menu, o Flutter o </a:t>
             </a:r>
             <a:r>
-              <a:rPr lang="en-US" sz="3399" spc="339" dirty="0" err="1" smtClean="0">
+              <a:rPr lang="en-US" sz="3399" spc="339" dirty="0" err="1">
                 <a:solidFill>
                   <a:srgbClr val="000000"/>
                 </a:solidFill>
@@ -9476,7 +9206,7 @@
               <a:t>adiciona</a:t>
             </a:r>
             <a:r>
-              <a:rPr lang="en-US" sz="3399" spc="339" dirty="0" smtClean="0">
+              <a:rPr lang="en-US" sz="3399" spc="339" dirty="0">
                 <a:solidFill>
                   <a:srgbClr val="000000"/>
                 </a:solidFill>
@@ -9487,7 +9217,7 @@
               <a:t> à </a:t>
             </a:r>
             <a:r>
-              <a:rPr lang="en-US" sz="3399" spc="339" dirty="0" err="1" smtClean="0">
+              <a:rPr lang="en-US" sz="3399" spc="339" dirty="0" err="1">
                 <a:solidFill>
                   <a:srgbClr val="000000"/>
                 </a:solidFill>
@@ -9498,7 +9228,7 @@
               <a:t>pilha</a:t>
             </a:r>
             <a:r>
-              <a:rPr lang="en-US" sz="3399" spc="339" dirty="0" smtClean="0">
+              <a:rPr lang="en-US" sz="3399" spc="339" dirty="0">
                 <a:solidFill>
                   <a:srgbClr val="000000"/>
                 </a:solidFill>
@@ -9509,7 +9239,7 @@
               <a:t> de </a:t>
             </a:r>
             <a:r>
-              <a:rPr lang="en-US" sz="3399" spc="339" dirty="0" err="1" smtClean="0">
+              <a:rPr lang="en-US" sz="3399" spc="339" dirty="0" err="1">
                 <a:solidFill>
                   <a:srgbClr val="000000"/>
                 </a:solidFill>
@@ -9520,7 +9250,7 @@
               <a:t>navegação</a:t>
             </a:r>
             <a:r>
-              <a:rPr lang="en-US" sz="3399" spc="339" dirty="0" smtClean="0">
+              <a:rPr lang="en-US" sz="3399" spc="339" dirty="0">
                 <a:solidFill>
                   <a:srgbClr val="000000"/>
                 </a:solidFill>
@@ -9557,7 +9287,7 @@
               <a:buChar char="•"/>
             </a:pPr>
             <a:r>
-              <a:rPr lang="en-US" sz="3399" spc="339" dirty="0" err="1" smtClean="0">
+              <a:rPr lang="en-US" sz="3399" spc="339" dirty="0" err="1">
                 <a:solidFill>
                   <a:srgbClr val="000000"/>
                 </a:solidFill>
@@ -9568,7 +9298,7 @@
               <a:t>Sendo</a:t>
             </a:r>
             <a:r>
-              <a:rPr lang="en-US" sz="3399" spc="339" dirty="0" smtClean="0">
+              <a:rPr lang="en-US" sz="3399" spc="339" dirty="0">
                 <a:solidFill>
                   <a:srgbClr val="000000"/>
                 </a:solidFill>
@@ -9579,7 +9309,7 @@
               <a:t> </a:t>
             </a:r>
             <a:r>
-              <a:rPr lang="en-US" sz="3399" spc="339" dirty="0" err="1" smtClean="0">
+              <a:rPr lang="en-US" sz="3399" spc="339" dirty="0" err="1">
                 <a:solidFill>
                   <a:srgbClr val="000000"/>
                 </a:solidFill>
@@ -9590,7 +9320,7 @@
               <a:t>assim</a:t>
             </a:r>
             <a:r>
-              <a:rPr lang="en-US" sz="3399" spc="339" dirty="0" smtClean="0">
+              <a:rPr lang="en-US" sz="3399" spc="339" dirty="0">
                 <a:solidFill>
                   <a:srgbClr val="000000"/>
                 </a:solidFill>
@@ -9601,7 +9331,7 @@
               <a:t>, para </a:t>
             </a:r>
             <a:r>
-              <a:rPr lang="en-US" sz="3399" spc="339" dirty="0" err="1" smtClean="0">
+              <a:rPr lang="en-US" sz="3399" spc="339" dirty="0" err="1">
                 <a:solidFill>
                   <a:srgbClr val="000000"/>
                 </a:solidFill>
@@ -9612,7 +9342,7 @@
               <a:t>fechar</a:t>
             </a:r>
             <a:r>
-              <a:rPr lang="en-US" sz="3399" spc="339" dirty="0" smtClean="0">
+              <a:rPr lang="en-US" sz="3399" spc="339" dirty="0">
                 <a:solidFill>
                   <a:srgbClr val="000000"/>
                 </a:solidFill>
@@ -9623,7 +9353,7 @@
               <a:t> o menu, é </a:t>
             </a:r>
             <a:r>
-              <a:rPr lang="en-US" sz="3399" spc="339" dirty="0" err="1" smtClean="0">
+              <a:rPr lang="en-US" sz="3399" spc="339" dirty="0" err="1">
                 <a:solidFill>
                   <a:srgbClr val="000000"/>
                 </a:solidFill>
@@ -9634,7 +9364,7 @@
               <a:t>utilizado</a:t>
             </a:r>
             <a:r>
-              <a:rPr lang="en-US" sz="3399" spc="339" dirty="0" smtClean="0">
+              <a:rPr lang="en-US" sz="3399" spc="339" dirty="0">
                 <a:solidFill>
                   <a:srgbClr val="000000"/>
                 </a:solidFill>
@@ -9653,21 +9383,10 @@
                 <a:ea typeface="Lato" panose="020B0604020202020204" charset="0"/>
                 <a:cs typeface="Lato" panose="020B0604020202020204" charset="0"/>
               </a:rPr>
-              <a:t>N</a:t>
-            </a:r>
-            <a:r>
-              <a:rPr lang="en-US" sz="3399" spc="339" dirty="0" err="1" smtClean="0">
-                <a:solidFill>
-                  <a:srgbClr val="000000"/>
-                </a:solidFill>
-                <a:latin typeface="Lato" panose="020B0604020202020204" charset="0"/>
-                <a:ea typeface="Lato" panose="020B0604020202020204" charset="0"/>
-                <a:cs typeface="Lato" panose="020B0604020202020204" charset="0"/>
-              </a:rPr>
-              <a:t>avigator.pop</a:t>
-            </a:r>
-            <a:r>
-              <a:rPr lang="en-US" sz="3399" spc="339" dirty="0" smtClean="0">
+              <a:t>Navigator.pop</a:t>
+            </a:r>
+            <a:r>
+              <a:rPr lang="en-US" sz="3399" spc="339" dirty="0">
                 <a:solidFill>
                   <a:srgbClr val="000000"/>
                 </a:solidFill>
@@ -9704,7 +9423,7 @@
           <a:p>
             <a:pPr algn="ctr"/>
             <a:r>
-              <a:rPr lang="pt-BR" sz="2400" dirty="0" smtClean="0">
+              <a:rPr lang="pt-BR" sz="2400" dirty="0">
                 <a:latin typeface="Lato" panose="020B0604020202020204" charset="0"/>
                 <a:ea typeface="Lato" panose="020B0604020202020204" charset="0"/>
                 <a:cs typeface="Lato" panose="020B0604020202020204" charset="0"/>
@@ -9712,69 +9431,46 @@
               <a:t>Figura 04 – Fechamento do </a:t>
             </a:r>
             <a:r>
-              <a:rPr lang="pt-BR" sz="2400" dirty="0" err="1" smtClean="0">
+              <a:rPr lang="pt-BR" sz="2400" dirty="0" err="1">
                 <a:latin typeface="Lato" panose="020B0604020202020204" charset="0"/>
                 <a:ea typeface="Lato" panose="020B0604020202020204" charset="0"/>
                 <a:cs typeface="Lato" panose="020B0604020202020204" charset="0"/>
               </a:rPr>
               <a:t>Drawer</a:t>
-            </a:r>
-            <a:endParaRPr lang="pt-BR" sz="2400" dirty="0" smtClean="0">
-              <a:latin typeface="Lato" panose="020B0604020202020204" charset="0"/>
-              <a:ea typeface="Lato" panose="020B0604020202020204" charset="0"/>
-              <a:cs typeface="Lato" panose="020B0604020202020204" charset="0"/>
-            </a:endParaRPr>
-          </a:p>
-          <a:p>
-            <a:pPr algn="ctr"/>
-            <a:r>
-              <a:rPr lang="pt-BR" sz="2400" dirty="0">
-                <a:latin typeface="Lato" panose="020B0604020202020204" charset="0"/>
-                <a:ea typeface="Lato" panose="020B0604020202020204" charset="0"/>
-                <a:cs typeface="Lato" panose="020B0604020202020204" charset="0"/>
-              </a:rPr>
-              <a:t>Fonte: </a:t>
-            </a:r>
-            <a:r>
-              <a:rPr lang="pt-BR" sz="2400" dirty="0" smtClean="0">
-                <a:latin typeface="Lato" panose="020B0604020202020204" charset="0"/>
-                <a:ea typeface="Lato" panose="020B0604020202020204" charset="0"/>
-                <a:cs typeface="Lato" panose="020B0604020202020204" charset="0"/>
-                <a:hlinkClick r:id="rId2"/>
-              </a:rPr>
-              <a:t>https</a:t>
-            </a:r>
-            <a:r>
-              <a:rPr lang="pt-BR" sz="2400" dirty="0">
-                <a:latin typeface="Lato" panose="020B0604020202020204" charset="0"/>
-                <a:ea typeface="Lato" panose="020B0604020202020204" charset="0"/>
-                <a:cs typeface="Lato" panose="020B0604020202020204" charset="0"/>
-                <a:hlinkClick r:id="rId2"/>
-              </a:rPr>
-              <a:t>://</a:t>
-            </a:r>
-            <a:r>
-              <a:rPr lang="pt-BR" sz="2400" dirty="0" smtClean="0">
-                <a:latin typeface="Lato" panose="020B0604020202020204" charset="0"/>
-                <a:ea typeface="Lato" panose="020B0604020202020204" charset="0"/>
-                <a:cs typeface="Lato" panose="020B0604020202020204" charset="0"/>
-                <a:hlinkClick r:id="rId2"/>
-              </a:rPr>
-              <a:t>docs.flutter.dev/cookbook/design/drawer</a:t>
-            </a:r>
-            <a:r>
-              <a:rPr lang="pt-BR" sz="2400" dirty="0" smtClean="0">
-                <a:latin typeface="Lato" panose="020B0604020202020204" charset="0"/>
-                <a:ea typeface="Lato" panose="020B0604020202020204" charset="0"/>
-                <a:cs typeface="Lato" panose="020B0604020202020204" charset="0"/>
-              </a:rPr>
-              <a:t>.</a:t>
             </a:r>
             <a:endParaRPr lang="pt-BR" sz="2400" dirty="0">
               <a:latin typeface="Lato" panose="020B0604020202020204" charset="0"/>
               <a:ea typeface="Lato" panose="020B0604020202020204" charset="0"/>
               <a:cs typeface="Lato" panose="020B0604020202020204" charset="0"/>
             </a:endParaRPr>
+          </a:p>
+          <a:p>
+            <a:pPr algn="ctr"/>
+            <a:r>
+              <a:rPr lang="pt-BR" sz="2400" dirty="0">
+                <a:latin typeface="Lato" panose="020B0604020202020204" charset="0"/>
+                <a:ea typeface="Lato" panose="020B0604020202020204" charset="0"/>
+                <a:cs typeface="Lato" panose="020B0604020202020204" charset="0"/>
+              </a:rPr>
+              <a:t>Fonte: </a:t>
+            </a:r>
+            <a:r>
+              <a:rPr lang="pt-BR" sz="2400" dirty="0">
+                <a:latin typeface="Lato" panose="020B0604020202020204" charset="0"/>
+                <a:ea typeface="Lato" panose="020B0604020202020204" charset="0"/>
+                <a:cs typeface="Lato" panose="020B0604020202020204" charset="0"/>
+                <a:hlinkClick r:id="rId2"/>
+              </a:rPr>
+              <a:t>https://docs.flutter.dev/cookbook/design/drawer</a:t>
+            </a:r>
+            <a:r>
+              <a:rPr lang="pt-BR" sz="2400" dirty="0">
+                <a:latin typeface="Lato" panose="020B0604020202020204" charset="0"/>
+                <a:ea typeface="Lato" panose="020B0604020202020204" charset="0"/>
+                <a:cs typeface="Lato" panose="020B0604020202020204" charset="0"/>
+              </a:rPr>
+              <a:t>.</a:t>
+            </a:r>
           </a:p>
         </p:txBody>
       </p:sp>
@@ -9818,13 +9514,6 @@
   <p:clrMapOvr>
     <a:masterClrMapping/>
   </p:clrMapOvr>
-  <p:timing>
-    <p:tnLst>
-      <p:par>
-        <p:cTn id="1" dur="indefinite" restart="never" nodeType="tmRoot"/>
-      </p:par>
-    </p:tnLst>
-  </p:timing>
 </p:sld>
 </file>
 
@@ -9898,6 +9587,13 @@
               <a:srgbClr val="2B4A9D"/>
             </a:solidFill>
           </p:spPr>
+          <p:txBody>
+            <a:bodyPr/>
+            <a:lstStyle/>
+            <a:p>
+              <a:endParaRPr lang="pt-BR"/>
+            </a:p>
+          </p:txBody>
         </p:sp>
       </p:grpSp>
       <p:sp>
@@ -9909,7 +9605,7 @@
         <p:spPr>
           <a:xfrm>
             <a:off x="816673" y="2247900"/>
-            <a:ext cx="16611599" cy="1169551"/>
+            <a:ext cx="16611599" cy="2785378"/>
           </a:xfrm>
           <a:prstGeom prst="rect">
             <a:avLst/>
@@ -9923,28 +9619,73 @@
           <a:lstStyle/>
           <a:p>
             <a:r>
-              <a:rPr lang="pt-BR" sz="3500" dirty="0" smtClean="0">
-                <a:latin typeface="Lato" panose="020B0604020202020204" charset="0"/>
-                <a:ea typeface="Lato" panose="020B0604020202020204" charset="0"/>
-                <a:cs typeface="Lato" panose="020B0604020202020204" charset="0"/>
-              </a:rPr>
-              <a:t>O exemplo com o código-fonte completo para a criação de um menu </a:t>
-            </a:r>
-            <a:r>
-              <a:rPr lang="pt-BR" sz="3500" dirty="0" smtClean="0">
-                <a:latin typeface="Lato" panose="020B0604020202020204" charset="0"/>
-                <a:ea typeface="Lato" panose="020B0604020202020204" charset="0"/>
-                <a:cs typeface="Lato" panose="020B0604020202020204" charset="0"/>
-              </a:rPr>
-              <a:t>encontra-se no arquivo </a:t>
-            </a:r>
-            <a:r>
-              <a:rPr lang="pt-BR" sz="3500" b="1" dirty="0" err="1" smtClean="0">
-                <a:latin typeface="Lato" panose="020B0604020202020204" charset="0"/>
-                <a:ea typeface="Lato" panose="020B0604020202020204" charset="0"/>
-                <a:cs typeface="Lato" panose="020B0604020202020204" charset="0"/>
-              </a:rPr>
-              <a:t>criacaoMenu.dart</a:t>
+              <a:rPr lang="pt-BR" sz="3500" dirty="0">
+                <a:latin typeface="Lato" panose="020B0604020202020204" charset="0"/>
+                <a:ea typeface="Lato" panose="020B0604020202020204" charset="0"/>
+                <a:cs typeface="Lato" panose="020B0604020202020204" charset="0"/>
+              </a:rPr>
+              <a:t>O exemplo com o código-fonte completo para a criação de um menu encontra-se no arquivo </a:t>
+            </a:r>
+            <a:r>
+              <a:rPr lang="pt-BR" sz="3500" b="1" dirty="0" err="1">
+                <a:latin typeface="Lato" panose="020B0604020202020204" charset="0"/>
+                <a:ea typeface="Lato" panose="020B0604020202020204" charset="0"/>
+                <a:cs typeface="Lato" panose="020B0604020202020204" charset="0"/>
+              </a:rPr>
+              <a:t>menuConfiguracoes.dart</a:t>
+            </a:r>
+            <a:endParaRPr lang="pt-BR" sz="3500" b="1" dirty="0">
+              <a:latin typeface="Lato" panose="020B0604020202020204" charset="0"/>
+              <a:ea typeface="Lato" panose="020B0604020202020204" charset="0"/>
+              <a:cs typeface="Lato" panose="020B0604020202020204" charset="0"/>
+            </a:endParaRPr>
+          </a:p>
+          <a:p>
+            <a:endParaRPr lang="pt-BR" sz="3500" b="1" dirty="0">
+              <a:latin typeface="Lato" panose="020B0604020202020204" charset="0"/>
+              <a:ea typeface="Lato" panose="020B0604020202020204" charset="0"/>
+              <a:cs typeface="Lato" panose="020B0604020202020204" charset="0"/>
+            </a:endParaRPr>
+          </a:p>
+          <a:p>
+            <a:endParaRPr lang="pt-BR" sz="3500" b="1" dirty="0">
+              <a:latin typeface="Lato" panose="020B0604020202020204" charset="0"/>
+              <a:ea typeface="Lato" panose="020B0604020202020204" charset="0"/>
+              <a:cs typeface="Lato" panose="020B0604020202020204" charset="0"/>
+            </a:endParaRPr>
+          </a:p>
+          <a:p>
+            <a:r>
+              <a:rPr lang="pt-BR" sz="3500" b="1" dirty="0">
+                <a:latin typeface="Lato" panose="020B0604020202020204" charset="0"/>
+                <a:ea typeface="Lato" panose="020B0604020202020204" charset="0"/>
+                <a:cs typeface="Lato" panose="020B0604020202020204" charset="0"/>
+              </a:rPr>
+              <a:t>OBS.: </a:t>
+            </a:r>
+            <a:r>
+              <a:rPr lang="pt-BR" sz="3500" dirty="0">
+                <a:latin typeface="Lato" panose="020B0604020202020204" charset="0"/>
+                <a:ea typeface="Lato" panose="020B0604020202020204" charset="0"/>
+                <a:cs typeface="Lato" panose="020B0604020202020204" charset="0"/>
+              </a:rPr>
+              <a:t>Abra também o projeto </a:t>
+            </a:r>
+            <a:r>
+              <a:rPr lang="pt-BR" sz="3500" b="1" dirty="0">
+                <a:latin typeface="Lato" panose="020B0604020202020204" charset="0"/>
+                <a:ea typeface="Lato" panose="020B0604020202020204" charset="0"/>
+                <a:cs typeface="Lato" panose="020B0604020202020204" charset="0"/>
+              </a:rPr>
+              <a:t>Priorize </a:t>
+            </a:r>
+            <a:r>
+              <a:rPr lang="pt-BR" sz="3500" dirty="0">
+                <a:latin typeface="Lato" panose="020B0604020202020204" charset="0"/>
+                <a:ea typeface="Lato" panose="020B0604020202020204" charset="0"/>
+                <a:cs typeface="Lato" panose="020B0604020202020204" charset="0"/>
+              </a:rPr>
+              <a:t>e tente achar as aplicações de menus.</a:t>
             </a:r>
             <a:endParaRPr lang="pt-BR" sz="3500" b="1" dirty="0">
               <a:latin typeface="Lato" panose="020B0604020202020204" charset="0"/>
@@ -9964,13 +9705,6 @@
   <p:clrMapOvr>
     <a:masterClrMapping/>
   </p:clrMapOvr>
-  <p:timing>
-    <p:tnLst>
-      <p:par>
-        <p:cTn id="1" dur="indefinite" restart="never" nodeType="tmRoot"/>
-      </p:par>
-    </p:tnLst>
-  </p:timing>
 </p:sld>
 </file>
 
